--- a/trunk/docs/Entregables/Presentacion/SAFE_PRESENTACION.pptx
+++ b/trunk/docs/Entregables/Presentacion/SAFE_PRESENTACION.pptx
@@ -117,6 +117,11 @@
       </a:defRPr>
     </a:lvl9pPr>
   </p:defaultTextStyle>
+  <p:extLst>
+    <p:ext uri="{EFAFB233-063F-42B5-8137-9DF3F51BA10A}">
+      <p15:sldGuideLst xmlns:p15="http://schemas.microsoft.com/office/powerpoint/2012/main"/>
+    </p:ext>
+  </p:extLst>
 </p:presentation>
 </file>
 
@@ -698,7 +703,7 @@
           </a:lstStyle>
           <a:p>
             <a:r>
-              <a:rPr lang="es-ES" smtClean="0"/>
+              <a:rPr lang="es-ES"/>
               <a:t>Haga clic para modificar el estilo de título del patrón</a:t>
             </a:r>
             <a:endParaRPr lang="en-US" dirty="0"/>
@@ -818,7 +823,7 @@
           </a:lstStyle>
           <a:p>
             <a:r>
-              <a:rPr lang="es-ES" smtClean="0"/>
+              <a:rPr lang="es-ES"/>
               <a:t>Haga clic para modificar el estilo de subtítulo del patrón</a:t>
             </a:r>
             <a:endParaRPr lang="en-US" dirty="0"/>
@@ -843,7 +848,7 @@
             <a:fld id="{B61BEF0D-F0BB-DE4B-95CE-6DB70DBA9567}" type="datetimeFigureOut">
               <a:rPr lang="en-US" smtClean="0"/>
               <a:pPr/>
-              <a:t>8/19/2016</a:t>
+              <a:t>8/20/2016</a:t>
             </a:fld>
             <a:endParaRPr lang="en-US" dirty="0"/>
           </a:p>
@@ -886,7 +891,7 @@
             <a:fld id="{D57F1E4F-1CFF-5643-939E-217C01CDF565}" type="slidenum">
               <a:rPr lang="en-US" smtClean="0"/>
               <a:pPr/>
-              <a:t>‹Nº›</a:t>
+              <a:t>‹#›</a:t>
             </a:fld>
             <a:endParaRPr lang="en-US" dirty="0"/>
           </a:p>
@@ -949,7 +954,7 @@
           </a:lstStyle>
           <a:p>
             <a:r>
-              <a:rPr lang="es-ES" smtClean="0"/>
+              <a:rPr lang="es-ES"/>
               <a:t>Haga clic para modificar el estilo de título del patrón</a:t>
             </a:r>
             <a:endParaRPr lang="en-US" dirty="0"/>
@@ -1072,7 +1077,7 @@
           <a:p>
             <a:pPr lvl="0"/>
             <a:r>
-              <a:rPr lang="es-ES" smtClean="0"/>
+              <a:rPr lang="es-ES"/>
               <a:t>Haga clic para modificar el estilo de texto del patrón</a:t>
             </a:r>
           </a:p>
@@ -1096,7 +1101,7 @@
             <a:fld id="{B61BEF0D-F0BB-DE4B-95CE-6DB70DBA9567}" type="datetimeFigureOut">
               <a:rPr lang="en-US" smtClean="0"/>
               <a:pPr/>
-              <a:t>8/19/2016</a:t>
+              <a:t>8/20/2016</a:t>
             </a:fld>
             <a:endParaRPr lang="en-US" dirty="0"/>
           </a:p>
@@ -1139,7 +1144,7 @@
             <a:fld id="{D57F1E4F-1CFF-5643-939E-217C01CDF565}" type="slidenum">
               <a:rPr lang="en-US" smtClean="0"/>
               <a:pPr/>
-              <a:t>‹Nº›</a:t>
+              <a:t>‹#›</a:t>
             </a:fld>
             <a:endParaRPr lang="en-US" dirty="0"/>
           </a:p>
@@ -1202,7 +1207,7 @@
           </a:lstStyle>
           <a:p>
             <a:r>
-              <a:rPr lang="es-ES" smtClean="0"/>
+              <a:rPr lang="es-ES"/>
               <a:t>Haga clic para modificar el estilo de título del patrón</a:t>
             </a:r>
             <a:endParaRPr lang="en-US" dirty="0"/>
@@ -1266,7 +1271,7 @@
           <a:p>
             <a:pPr lvl="0"/>
             <a:r>
-              <a:rPr lang="es-ES" smtClean="0"/>
+              <a:rPr lang="es-ES"/>
               <a:t>Haga clic para modificar el estilo de texto del patrón</a:t>
             </a:r>
           </a:p>
@@ -1388,7 +1393,7 @@
           <a:p>
             <a:pPr lvl="0"/>
             <a:r>
-              <a:rPr lang="es-ES" smtClean="0"/>
+              <a:rPr lang="es-ES"/>
               <a:t>Haga clic para modificar el estilo de texto del patrón</a:t>
             </a:r>
           </a:p>
@@ -1412,7 +1417,7 @@
             <a:fld id="{B61BEF0D-F0BB-DE4B-95CE-6DB70DBA9567}" type="datetimeFigureOut">
               <a:rPr lang="en-US" smtClean="0"/>
               <a:pPr/>
-              <a:t>8/19/2016</a:t>
+              <a:t>8/20/2016</a:t>
             </a:fld>
             <a:endParaRPr lang="en-US" dirty="0"/>
           </a:p>
@@ -1455,7 +1460,7 @@
             <a:fld id="{D57F1E4F-1CFF-5643-939E-217C01CDF565}" type="slidenum">
               <a:rPr lang="en-US" smtClean="0"/>
               <a:pPr/>
-              <a:t>‹Nº›</a:t>
+              <a:t>‹#›</a:t>
             </a:fld>
             <a:endParaRPr lang="en-US" dirty="0"/>
           </a:p>
@@ -1608,7 +1613,7 @@
           </a:lstStyle>
           <a:p>
             <a:r>
-              <a:rPr lang="es-ES" smtClean="0"/>
+              <a:rPr lang="es-ES"/>
               <a:t>Haga clic para modificar el estilo de título del patrón</a:t>
             </a:r>
             <a:endParaRPr lang="en-US" dirty="0"/>
@@ -1731,7 +1736,7 @@
           <a:p>
             <a:pPr lvl="0"/>
             <a:r>
-              <a:rPr lang="es-ES" smtClean="0"/>
+              <a:rPr lang="es-ES"/>
               <a:t>Haga clic para modificar el estilo de texto del patrón</a:t>
             </a:r>
           </a:p>
@@ -1755,7 +1760,7 @@
             <a:fld id="{B61BEF0D-F0BB-DE4B-95CE-6DB70DBA9567}" type="datetimeFigureOut">
               <a:rPr lang="en-US" smtClean="0"/>
               <a:pPr/>
-              <a:t>8/19/2016</a:t>
+              <a:t>8/20/2016</a:t>
             </a:fld>
             <a:endParaRPr lang="en-US" dirty="0"/>
           </a:p>
@@ -1798,7 +1803,7 @@
             <a:fld id="{D57F1E4F-1CFF-5643-939E-217C01CDF565}" type="slidenum">
               <a:rPr lang="en-US" smtClean="0"/>
               <a:pPr/>
-              <a:t>‹Nº›</a:t>
+              <a:t>‹#›</a:t>
             </a:fld>
             <a:endParaRPr lang="en-US" dirty="0"/>
           </a:p>
@@ -1861,7 +1866,7 @@
           </a:lstStyle>
           <a:p>
             <a:r>
-              <a:rPr lang="es-ES" smtClean="0"/>
+              <a:rPr lang="es-ES"/>
               <a:t>Haga clic para modificar el estilo de título del patrón</a:t>
             </a:r>
             <a:endParaRPr lang="en-US" dirty="0"/>
@@ -1925,7 +1930,7 @@
           <a:p>
             <a:pPr lvl="0"/>
             <a:r>
-              <a:rPr lang="es-ES" smtClean="0"/>
+              <a:rPr lang="es-ES"/>
               <a:t>Haga clic para modificar el estilo de texto del patrón</a:t>
             </a:r>
           </a:p>
@@ -2047,7 +2052,7 @@
           <a:p>
             <a:pPr lvl="0"/>
             <a:r>
-              <a:rPr lang="es-ES" smtClean="0"/>
+              <a:rPr lang="es-ES"/>
               <a:t>Haga clic para modificar el estilo de texto del patrón</a:t>
             </a:r>
           </a:p>
@@ -2071,7 +2076,7 @@
             <a:fld id="{B61BEF0D-F0BB-DE4B-95CE-6DB70DBA9567}" type="datetimeFigureOut">
               <a:rPr lang="en-US" smtClean="0"/>
               <a:pPr/>
-              <a:t>8/19/2016</a:t>
+              <a:t>8/20/2016</a:t>
             </a:fld>
             <a:endParaRPr lang="en-US" dirty="0"/>
           </a:p>
@@ -2114,7 +2119,7 @@
             <a:fld id="{D57F1E4F-1CFF-5643-939E-217C01CDF565}" type="slidenum">
               <a:rPr lang="en-US" smtClean="0"/>
               <a:pPr/>
-              <a:t>‹Nº›</a:t>
+              <a:t>‹#›</a:t>
             </a:fld>
             <a:endParaRPr lang="en-US" dirty="0"/>
           </a:p>
@@ -2259,7 +2264,7 @@
           </a:lstStyle>
           <a:p>
             <a:r>
-              <a:rPr lang="es-ES" smtClean="0"/>
+              <a:rPr lang="es-ES"/>
               <a:t>Haga clic para modificar el estilo de título del patrón</a:t>
             </a:r>
             <a:endParaRPr lang="en-US" dirty="0"/>
@@ -2320,7 +2325,7 @@
           <a:p>
             <a:pPr lvl="0"/>
             <a:r>
-              <a:rPr lang="es-ES" smtClean="0"/>
+              <a:rPr lang="es-ES"/>
               <a:t>Haga clic para modificar el estilo de texto del patrón</a:t>
             </a:r>
           </a:p>
@@ -2442,7 +2447,7 @@
           <a:p>
             <a:pPr lvl="0"/>
             <a:r>
-              <a:rPr lang="es-ES" smtClean="0"/>
+              <a:rPr lang="es-ES"/>
               <a:t>Haga clic para modificar el estilo de texto del patrón</a:t>
             </a:r>
           </a:p>
@@ -2466,7 +2471,7 @@
             <a:fld id="{B61BEF0D-F0BB-DE4B-95CE-6DB70DBA9567}" type="datetimeFigureOut">
               <a:rPr lang="en-US" smtClean="0"/>
               <a:pPr/>
-              <a:t>8/19/2016</a:t>
+              <a:t>8/20/2016</a:t>
             </a:fld>
             <a:endParaRPr lang="en-US" dirty="0"/>
           </a:p>
@@ -2509,7 +2514,7 @@
             <a:fld id="{D57F1E4F-1CFF-5643-939E-217C01CDF565}" type="slidenum">
               <a:rPr lang="en-US" smtClean="0"/>
               <a:pPr/>
-              <a:t>‹Nº›</a:t>
+              <a:t>‹#›</a:t>
             </a:fld>
             <a:endParaRPr lang="en-US" dirty="0"/>
           </a:p>
@@ -2561,7 +2566,7 @@
           <a:lstStyle/>
           <a:p>
             <a:r>
-              <a:rPr lang="es-ES" smtClean="0"/>
+              <a:rPr lang="es-ES"/>
               <a:t>Haga clic para modificar el estilo de título del patrón</a:t>
             </a:r>
             <a:endParaRPr lang="en-US" dirty="0"/>
@@ -2585,35 +2590,35 @@
           <a:p>
             <a:pPr lvl="0"/>
             <a:r>
-              <a:rPr lang="es-ES" smtClean="0"/>
+              <a:rPr lang="es-ES"/>
               <a:t>Haga clic para modificar el estilo de texto del patrón</a:t>
             </a:r>
           </a:p>
           <a:p>
             <a:pPr lvl="1"/>
             <a:r>
-              <a:rPr lang="es-ES" smtClean="0"/>
+              <a:rPr lang="es-ES"/>
               <a:t>Segundo nivel</a:t>
             </a:r>
           </a:p>
           <a:p>
             <a:pPr lvl="2"/>
             <a:r>
-              <a:rPr lang="es-ES" smtClean="0"/>
+              <a:rPr lang="es-ES"/>
               <a:t>Tercer nivel</a:t>
             </a:r>
           </a:p>
           <a:p>
             <a:pPr lvl="3"/>
             <a:r>
-              <a:rPr lang="es-ES" smtClean="0"/>
+              <a:rPr lang="es-ES"/>
               <a:t>Cuarto nivel</a:t>
             </a:r>
           </a:p>
           <a:p>
             <a:pPr lvl="4"/>
             <a:r>
-              <a:rPr lang="es-ES" smtClean="0"/>
+              <a:rPr lang="es-ES"/>
               <a:t>Quinto nivel</a:t>
             </a:r>
             <a:endParaRPr lang="en-US" dirty="0"/>
@@ -2637,7 +2642,7 @@
           <a:p>
             <a:fld id="{55C6B4A9-1611-4792-9094-5F34BCA07E0B}" type="datetimeFigureOut">
               <a:rPr lang="en-US" smtClean="0"/>
-              <a:t>8/19/2016</a:t>
+              <a:t>8/20/2016</a:t>
             </a:fld>
             <a:endParaRPr lang="en-US" dirty="0"/>
           </a:p>
@@ -2679,7 +2684,7 @@
           <a:p>
             <a:fld id="{89333C77-0158-454C-844F-B7AB9BD7DAD4}" type="slidenum">
               <a:rPr lang="en-US" smtClean="0"/>
-              <a:t>‹Nº›</a:t>
+              <a:t>‹#›</a:t>
             </a:fld>
             <a:endParaRPr lang="en-US" dirty="0"/>
           </a:p>
@@ -2736,7 +2741,7 @@
           <a:lstStyle/>
           <a:p>
             <a:r>
-              <a:rPr lang="es-ES" smtClean="0"/>
+              <a:rPr lang="es-ES"/>
               <a:t>Haga clic para modificar el estilo de título del patrón</a:t>
             </a:r>
             <a:endParaRPr lang="en-US" dirty="0"/>
@@ -2765,35 +2770,35 @@
           <a:p>
             <a:pPr lvl="0"/>
             <a:r>
-              <a:rPr lang="es-ES" smtClean="0"/>
+              <a:rPr lang="es-ES"/>
               <a:t>Haga clic para modificar el estilo de texto del patrón</a:t>
             </a:r>
           </a:p>
           <a:p>
             <a:pPr lvl="1"/>
             <a:r>
-              <a:rPr lang="es-ES" smtClean="0"/>
+              <a:rPr lang="es-ES"/>
               <a:t>Segundo nivel</a:t>
             </a:r>
           </a:p>
           <a:p>
             <a:pPr lvl="2"/>
             <a:r>
-              <a:rPr lang="es-ES" smtClean="0"/>
+              <a:rPr lang="es-ES"/>
               <a:t>Tercer nivel</a:t>
             </a:r>
           </a:p>
           <a:p>
             <a:pPr lvl="3"/>
             <a:r>
-              <a:rPr lang="es-ES" smtClean="0"/>
+              <a:rPr lang="es-ES"/>
               <a:t>Cuarto nivel</a:t>
             </a:r>
           </a:p>
           <a:p>
             <a:pPr lvl="4"/>
             <a:r>
-              <a:rPr lang="es-ES" smtClean="0"/>
+              <a:rPr lang="es-ES"/>
               <a:t>Quinto nivel</a:t>
             </a:r>
             <a:endParaRPr lang="en-US" dirty="0"/>
@@ -2818,7 +2823,7 @@
             <a:fld id="{B61BEF0D-F0BB-DE4B-95CE-6DB70DBA9567}" type="datetimeFigureOut">
               <a:rPr lang="en-US" smtClean="0"/>
               <a:pPr/>
-              <a:t>8/19/2016</a:t>
+              <a:t>8/20/2016</a:t>
             </a:fld>
             <a:endParaRPr lang="en-US" dirty="0"/>
           </a:p>
@@ -2861,7 +2866,7 @@
             <a:fld id="{D57F1E4F-1CFF-5643-939E-217C01CDF565}" type="slidenum">
               <a:rPr lang="en-US" smtClean="0"/>
               <a:pPr/>
-              <a:t>‹Nº›</a:t>
+              <a:t>‹#›</a:t>
             </a:fld>
             <a:endParaRPr lang="en-US" dirty="0"/>
           </a:p>
@@ -2919,7 +2924,7 @@
           </a:lstStyle>
           <a:p>
             <a:r>
-              <a:rPr lang="es-ES" smtClean="0"/>
+              <a:rPr lang="es-ES"/>
               <a:t>Haga clic para modificar el estilo de título del patrón</a:t>
             </a:r>
             <a:endParaRPr lang="en-US" dirty="0"/>
@@ -2943,35 +2948,35 @@
           <a:p>
             <a:pPr lvl="0"/>
             <a:r>
-              <a:rPr lang="es-ES" smtClean="0"/>
+              <a:rPr lang="es-ES"/>
               <a:t>Haga clic para modificar el estilo de texto del patrón</a:t>
             </a:r>
           </a:p>
           <a:p>
             <a:pPr lvl="1"/>
             <a:r>
-              <a:rPr lang="es-ES" smtClean="0"/>
+              <a:rPr lang="es-ES"/>
               <a:t>Segundo nivel</a:t>
             </a:r>
           </a:p>
           <a:p>
             <a:pPr lvl="2"/>
             <a:r>
-              <a:rPr lang="es-ES" smtClean="0"/>
+              <a:rPr lang="es-ES"/>
               <a:t>Tercer nivel</a:t>
             </a:r>
           </a:p>
           <a:p>
             <a:pPr lvl="3"/>
             <a:r>
-              <a:rPr lang="es-ES" smtClean="0"/>
+              <a:rPr lang="es-ES"/>
               <a:t>Cuarto nivel</a:t>
             </a:r>
           </a:p>
           <a:p>
             <a:pPr lvl="4"/>
             <a:r>
-              <a:rPr lang="es-ES" smtClean="0"/>
+              <a:rPr lang="es-ES"/>
               <a:t>Quinto nivel</a:t>
             </a:r>
             <a:endParaRPr lang="en-US" dirty="0"/>
@@ -2996,7 +3001,7 @@
             <a:fld id="{B61BEF0D-F0BB-DE4B-95CE-6DB70DBA9567}" type="datetimeFigureOut">
               <a:rPr lang="en-US" smtClean="0"/>
               <a:pPr/>
-              <a:t>8/19/2016</a:t>
+              <a:t>8/20/2016</a:t>
             </a:fld>
             <a:endParaRPr lang="en-US" dirty="0"/>
           </a:p>
@@ -3039,7 +3044,7 @@
             <a:fld id="{D57F1E4F-1CFF-5643-939E-217C01CDF565}" type="slidenum">
               <a:rPr lang="en-US" smtClean="0"/>
               <a:pPr/>
-              <a:t>‹Nº›</a:t>
+              <a:t>‹#›</a:t>
             </a:fld>
             <a:endParaRPr lang="en-US" dirty="0"/>
           </a:p>
@@ -3100,7 +3105,7 @@
           </a:lstStyle>
           <a:p>
             <a:r>
-              <a:rPr lang="es-ES" smtClean="0"/>
+              <a:rPr lang="es-ES"/>
               <a:t>Haga clic para modificar el estilo de título del patrón</a:t>
             </a:r>
             <a:endParaRPr lang="en-US" dirty="0"/>
@@ -3221,7 +3226,7 @@
           <a:p>
             <a:pPr lvl="0"/>
             <a:r>
-              <a:rPr lang="es-ES" smtClean="0"/>
+              <a:rPr lang="es-ES"/>
               <a:t>Haga clic para modificar el estilo de texto del patrón</a:t>
             </a:r>
           </a:p>
@@ -3245,7 +3250,7 @@
             <a:fld id="{B61BEF0D-F0BB-DE4B-95CE-6DB70DBA9567}" type="datetimeFigureOut">
               <a:rPr lang="en-US" smtClean="0"/>
               <a:pPr/>
-              <a:t>8/19/2016</a:t>
+              <a:t>8/20/2016</a:t>
             </a:fld>
             <a:endParaRPr lang="en-US" dirty="0"/>
           </a:p>
@@ -3288,7 +3293,7 @@
             <a:fld id="{D57F1E4F-1CFF-5643-939E-217C01CDF565}" type="slidenum">
               <a:rPr lang="en-US" smtClean="0"/>
               <a:pPr/>
-              <a:t>‹Nº›</a:t>
+              <a:t>‹#›</a:t>
             </a:fld>
             <a:endParaRPr lang="en-US" dirty="0"/>
           </a:p>
@@ -3340,7 +3345,7 @@
           <a:lstStyle/>
           <a:p>
             <a:r>
-              <a:rPr lang="es-ES" smtClean="0"/>
+              <a:rPr lang="es-ES"/>
               <a:t>Haga clic para modificar el estilo de título del patrón</a:t>
             </a:r>
             <a:endParaRPr lang="en-US" dirty="0"/>
@@ -3369,35 +3374,35 @@
           <a:p>
             <a:pPr lvl="0"/>
             <a:r>
-              <a:rPr lang="es-ES" smtClean="0"/>
+              <a:rPr lang="es-ES"/>
               <a:t>Haga clic para modificar el estilo de texto del patrón</a:t>
             </a:r>
           </a:p>
           <a:p>
             <a:pPr lvl="1"/>
             <a:r>
-              <a:rPr lang="es-ES" smtClean="0"/>
+              <a:rPr lang="es-ES"/>
               <a:t>Segundo nivel</a:t>
             </a:r>
           </a:p>
           <a:p>
             <a:pPr lvl="2"/>
             <a:r>
-              <a:rPr lang="es-ES" smtClean="0"/>
+              <a:rPr lang="es-ES"/>
               <a:t>Tercer nivel</a:t>
             </a:r>
           </a:p>
           <a:p>
             <a:pPr lvl="3"/>
             <a:r>
-              <a:rPr lang="es-ES" smtClean="0"/>
+              <a:rPr lang="es-ES"/>
               <a:t>Cuarto nivel</a:t>
             </a:r>
           </a:p>
           <a:p>
             <a:pPr lvl="4"/>
             <a:r>
-              <a:rPr lang="es-ES" smtClean="0"/>
+              <a:rPr lang="es-ES"/>
               <a:t>Quinto nivel</a:t>
             </a:r>
             <a:endParaRPr lang="en-US" dirty="0"/>
@@ -3426,35 +3431,35 @@
           <a:p>
             <a:pPr lvl="0"/>
             <a:r>
-              <a:rPr lang="es-ES" smtClean="0"/>
+              <a:rPr lang="es-ES"/>
               <a:t>Haga clic para modificar el estilo de texto del patrón</a:t>
             </a:r>
           </a:p>
           <a:p>
             <a:pPr lvl="1"/>
             <a:r>
-              <a:rPr lang="es-ES" smtClean="0"/>
+              <a:rPr lang="es-ES"/>
               <a:t>Segundo nivel</a:t>
             </a:r>
           </a:p>
           <a:p>
             <a:pPr lvl="2"/>
             <a:r>
-              <a:rPr lang="es-ES" smtClean="0"/>
+              <a:rPr lang="es-ES"/>
               <a:t>Tercer nivel</a:t>
             </a:r>
           </a:p>
           <a:p>
             <a:pPr lvl="3"/>
             <a:r>
-              <a:rPr lang="es-ES" smtClean="0"/>
+              <a:rPr lang="es-ES"/>
               <a:t>Cuarto nivel</a:t>
             </a:r>
           </a:p>
           <a:p>
             <a:pPr lvl="4"/>
             <a:r>
-              <a:rPr lang="es-ES" smtClean="0"/>
+              <a:rPr lang="es-ES"/>
               <a:t>Quinto nivel</a:t>
             </a:r>
             <a:endParaRPr lang="en-US" dirty="0"/>
@@ -3478,7 +3483,7 @@
           <a:p>
             <a:fld id="{EB712588-04B1-427B-82EE-E8DB90309F08}" type="datetimeFigureOut">
               <a:rPr lang="en-US" smtClean="0"/>
-              <a:t>8/19/2016</a:t>
+              <a:t>8/20/2016</a:t>
             </a:fld>
             <a:endParaRPr lang="en-US" dirty="0"/>
           </a:p>
@@ -3520,7 +3525,7 @@
           <a:p>
             <a:fld id="{6FF9F0C5-380F-41C2-899A-BAC0F0927E16}" type="slidenum">
               <a:rPr lang="en-US" smtClean="0"/>
-              <a:t>‹Nº›</a:t>
+              <a:t>‹#›</a:t>
             </a:fld>
             <a:endParaRPr lang="en-US" dirty="0"/>
           </a:p>
@@ -3576,7 +3581,7 @@
           </a:lstStyle>
           <a:p>
             <a:r>
-              <a:rPr lang="es-ES" smtClean="0"/>
+              <a:rPr lang="es-ES"/>
               <a:t>Haga clic para modificar el estilo de título del patrón</a:t>
             </a:r>
             <a:endParaRPr lang="en-US" dirty="0"/>
@@ -3644,7 +3649,7 @@
           <a:p>
             <a:pPr lvl="0"/>
             <a:r>
-              <a:rPr lang="es-ES" smtClean="0"/>
+              <a:rPr lang="es-ES"/>
               <a:t>Haga clic para modificar el estilo de texto del patrón</a:t>
             </a:r>
           </a:p>
@@ -3674,35 +3679,35 @@
           <a:p>
             <a:pPr lvl="0"/>
             <a:r>
-              <a:rPr lang="es-ES" smtClean="0"/>
+              <a:rPr lang="es-ES"/>
               <a:t>Haga clic para modificar el estilo de texto del patrón</a:t>
             </a:r>
           </a:p>
           <a:p>
             <a:pPr lvl="1"/>
             <a:r>
-              <a:rPr lang="es-ES" smtClean="0"/>
+              <a:rPr lang="es-ES"/>
               <a:t>Segundo nivel</a:t>
             </a:r>
           </a:p>
           <a:p>
             <a:pPr lvl="2"/>
             <a:r>
-              <a:rPr lang="es-ES" smtClean="0"/>
+              <a:rPr lang="es-ES"/>
               <a:t>Tercer nivel</a:t>
             </a:r>
           </a:p>
           <a:p>
             <a:pPr lvl="3"/>
             <a:r>
-              <a:rPr lang="es-ES" smtClean="0"/>
+              <a:rPr lang="es-ES"/>
               <a:t>Cuarto nivel</a:t>
             </a:r>
           </a:p>
           <a:p>
             <a:pPr lvl="4"/>
             <a:r>
-              <a:rPr lang="es-ES" smtClean="0"/>
+              <a:rPr lang="es-ES"/>
               <a:t>Quinto nivel</a:t>
             </a:r>
             <a:endParaRPr lang="en-US" dirty="0"/>
@@ -3770,7 +3775,7 @@
           <a:p>
             <a:pPr lvl="0"/>
             <a:r>
-              <a:rPr lang="es-ES" smtClean="0"/>
+              <a:rPr lang="es-ES"/>
               <a:t>Haga clic para modificar el estilo de texto del patrón</a:t>
             </a:r>
           </a:p>
@@ -3800,35 +3805,35 @@
           <a:p>
             <a:pPr lvl="0"/>
             <a:r>
-              <a:rPr lang="es-ES" smtClean="0"/>
+              <a:rPr lang="es-ES"/>
               <a:t>Haga clic para modificar el estilo de texto del patrón</a:t>
             </a:r>
           </a:p>
           <a:p>
             <a:pPr lvl="1"/>
             <a:r>
-              <a:rPr lang="es-ES" smtClean="0"/>
+              <a:rPr lang="es-ES"/>
               <a:t>Segundo nivel</a:t>
             </a:r>
           </a:p>
           <a:p>
             <a:pPr lvl="2"/>
             <a:r>
-              <a:rPr lang="es-ES" smtClean="0"/>
+              <a:rPr lang="es-ES"/>
               <a:t>Tercer nivel</a:t>
             </a:r>
           </a:p>
           <a:p>
             <a:pPr lvl="3"/>
             <a:r>
-              <a:rPr lang="es-ES" smtClean="0"/>
+              <a:rPr lang="es-ES"/>
               <a:t>Cuarto nivel</a:t>
             </a:r>
           </a:p>
           <a:p>
             <a:pPr lvl="4"/>
             <a:r>
-              <a:rPr lang="es-ES" smtClean="0"/>
+              <a:rPr lang="es-ES"/>
               <a:t>Quinto nivel</a:t>
             </a:r>
             <a:endParaRPr lang="en-US" dirty="0"/>
@@ -3853,7 +3858,7 @@
             <a:fld id="{B61BEF0D-F0BB-DE4B-95CE-6DB70DBA9567}" type="datetimeFigureOut">
               <a:rPr lang="en-US" smtClean="0"/>
               <a:pPr/>
-              <a:t>8/19/2016</a:t>
+              <a:t>8/20/2016</a:t>
             </a:fld>
             <a:endParaRPr lang="en-US" dirty="0"/>
           </a:p>
@@ -3896,7 +3901,7 @@
             <a:fld id="{D57F1E4F-1CFF-5643-939E-217C01CDF565}" type="slidenum">
               <a:rPr lang="en-US" smtClean="0"/>
               <a:pPr/>
-              <a:t>‹Nº›</a:t>
+              <a:t>‹#›</a:t>
             </a:fld>
             <a:endParaRPr lang="en-US" dirty="0"/>
           </a:p>
@@ -3953,7 +3958,7 @@
           <a:lstStyle/>
           <a:p>
             <a:r>
-              <a:rPr lang="es-ES" smtClean="0"/>
+              <a:rPr lang="es-ES"/>
               <a:t>Haga clic para modificar el estilo de título del patrón</a:t>
             </a:r>
             <a:endParaRPr lang="en-US" dirty="0"/>
@@ -3978,7 +3983,7 @@
             <a:fld id="{B61BEF0D-F0BB-DE4B-95CE-6DB70DBA9567}" type="datetimeFigureOut">
               <a:rPr lang="en-US" smtClean="0"/>
               <a:pPr/>
-              <a:t>8/19/2016</a:t>
+              <a:t>8/20/2016</a:t>
             </a:fld>
             <a:endParaRPr lang="en-US" dirty="0"/>
           </a:p>
@@ -4021,7 +4026,7 @@
             <a:fld id="{D57F1E4F-1CFF-5643-939E-217C01CDF565}" type="slidenum">
               <a:rPr lang="en-US" smtClean="0"/>
               <a:pPr/>
-              <a:t>‹Nº›</a:t>
+              <a:t>‹#›</a:t>
             </a:fld>
             <a:endParaRPr lang="en-US" dirty="0"/>
           </a:p>
@@ -4075,7 +4080,7 @@
             <a:fld id="{B61BEF0D-F0BB-DE4B-95CE-6DB70DBA9567}" type="datetimeFigureOut">
               <a:rPr lang="en-US" smtClean="0"/>
               <a:pPr/>
-              <a:t>8/19/2016</a:t>
+              <a:t>8/20/2016</a:t>
             </a:fld>
             <a:endParaRPr lang="en-US" dirty="0"/>
           </a:p>
@@ -4118,7 +4123,7 @@
             <a:fld id="{D57F1E4F-1CFF-5643-939E-217C01CDF565}" type="slidenum">
               <a:rPr lang="en-US" smtClean="0"/>
               <a:pPr/>
-              <a:t>‹Nº›</a:t>
+              <a:t>‹#›</a:t>
             </a:fld>
             <a:endParaRPr lang="en-US" dirty="0"/>
           </a:p>
@@ -4181,7 +4186,7 @@
           </a:lstStyle>
           <a:p>
             <a:r>
-              <a:rPr lang="es-ES" smtClean="0"/>
+              <a:rPr lang="es-ES"/>
               <a:t>Haga clic para modificar el estilo de título del patrón</a:t>
             </a:r>
             <a:endParaRPr lang="en-US" dirty="0"/>
@@ -4212,35 +4217,35 @@
           <a:p>
             <a:pPr lvl="0"/>
             <a:r>
-              <a:rPr lang="es-ES" smtClean="0"/>
+              <a:rPr lang="es-ES"/>
               <a:t>Haga clic para modificar el estilo de texto del patrón</a:t>
             </a:r>
           </a:p>
           <a:p>
             <a:pPr lvl="1"/>
             <a:r>
-              <a:rPr lang="es-ES" smtClean="0"/>
+              <a:rPr lang="es-ES"/>
               <a:t>Segundo nivel</a:t>
             </a:r>
           </a:p>
           <a:p>
             <a:pPr lvl="2"/>
             <a:r>
-              <a:rPr lang="es-ES" smtClean="0"/>
+              <a:rPr lang="es-ES"/>
               <a:t>Tercer nivel</a:t>
             </a:r>
           </a:p>
           <a:p>
             <a:pPr lvl="3"/>
             <a:r>
-              <a:rPr lang="es-ES" smtClean="0"/>
+              <a:rPr lang="es-ES"/>
               <a:t>Cuarto nivel</a:t>
             </a:r>
           </a:p>
           <a:p>
             <a:pPr lvl="4"/>
             <a:r>
-              <a:rPr lang="es-ES" smtClean="0"/>
+              <a:rPr lang="es-ES"/>
               <a:t>Quinto nivel</a:t>
             </a:r>
             <a:endParaRPr lang="en-US" dirty="0"/>
@@ -4308,7 +4313,7 @@
           <a:p>
             <a:pPr lvl="0"/>
             <a:r>
-              <a:rPr lang="es-ES" smtClean="0"/>
+              <a:rPr lang="es-ES"/>
               <a:t>Haga clic para modificar el estilo de texto del patrón</a:t>
             </a:r>
           </a:p>
@@ -4331,7 +4336,7 @@
           <a:p>
             <a:fld id="{42A54C80-263E-416B-A8E0-580EDEADCBDC}" type="datetimeFigureOut">
               <a:rPr lang="en-US" smtClean="0"/>
-              <a:t>8/19/2016</a:t>
+              <a:t>8/20/2016</a:t>
             </a:fld>
             <a:endParaRPr lang="en-US" dirty="0"/>
           </a:p>
@@ -4373,7 +4378,7 @@
           <a:p>
             <a:fld id="{519954A3-9DFD-4C44-94BA-B95130A3BA1C}" type="slidenum">
               <a:rPr lang="en-US" smtClean="0"/>
-              <a:t>‹Nº›</a:t>
+              <a:t>‹#›</a:t>
             </a:fld>
             <a:endParaRPr lang="en-US" dirty="0"/>
           </a:p>
@@ -4436,7 +4441,7 @@
           </a:lstStyle>
           <a:p>
             <a:r>
-              <a:rPr lang="es-ES" smtClean="0"/>
+              <a:rPr lang="es-ES"/>
               <a:t>Haga clic para modificar el estilo de título del patrón</a:t>
             </a:r>
             <a:endParaRPr lang="en-US" dirty="0"/>
@@ -4503,7 +4508,7 @@
           </a:lstStyle>
           <a:p>
             <a:r>
-              <a:rPr lang="es-ES" smtClean="0"/>
+              <a:rPr lang="es-ES"/>
               <a:t>Haga clic en el icono para agregar una imagen</a:t>
             </a:r>
             <a:endParaRPr lang="en-US" dirty="0"/>
@@ -4571,7 +4576,7 @@
           <a:p>
             <a:pPr lvl="0"/>
             <a:r>
-              <a:rPr lang="es-ES" smtClean="0"/>
+              <a:rPr lang="es-ES"/>
               <a:t>Haga clic para modificar el estilo de texto del patrón</a:t>
             </a:r>
           </a:p>
@@ -4595,7 +4600,7 @@
             <a:fld id="{B61BEF0D-F0BB-DE4B-95CE-6DB70DBA9567}" type="datetimeFigureOut">
               <a:rPr lang="en-US" smtClean="0"/>
               <a:pPr/>
-              <a:t>8/19/2016</a:t>
+              <a:t>8/20/2016</a:t>
             </a:fld>
             <a:endParaRPr lang="en-US" dirty="0"/>
           </a:p>
@@ -4638,7 +4643,7 @@
             <a:fld id="{D57F1E4F-1CFF-5643-939E-217C01CDF565}" type="slidenum">
               <a:rPr lang="en-US" smtClean="0"/>
               <a:pPr/>
-              <a:t>‹Nº›</a:t>
+              <a:t>‹#›</a:t>
             </a:fld>
             <a:endParaRPr lang="en-US" dirty="0"/>
           </a:p>
@@ -5235,7 +5240,7 @@
           <a:lstStyle/>
           <a:p>
             <a:r>
-              <a:rPr lang="es-ES" smtClean="0"/>
+              <a:rPr lang="es-ES"/>
               <a:t>Haga clic para modificar el estilo de título del patrón</a:t>
             </a:r>
             <a:endParaRPr lang="en-US" dirty="0"/>
@@ -5269,35 +5274,35 @@
           <a:p>
             <a:pPr lvl="0"/>
             <a:r>
-              <a:rPr lang="es-ES" smtClean="0"/>
+              <a:rPr lang="es-ES"/>
               <a:t>Haga clic para modificar el estilo de texto del patrón</a:t>
             </a:r>
           </a:p>
           <a:p>
             <a:pPr lvl="1"/>
             <a:r>
-              <a:rPr lang="es-ES" smtClean="0"/>
+              <a:rPr lang="es-ES"/>
               <a:t>Segundo nivel</a:t>
             </a:r>
           </a:p>
           <a:p>
             <a:pPr lvl="2"/>
             <a:r>
-              <a:rPr lang="es-ES" smtClean="0"/>
+              <a:rPr lang="es-ES"/>
               <a:t>Tercer nivel</a:t>
             </a:r>
           </a:p>
           <a:p>
             <a:pPr lvl="3"/>
             <a:r>
-              <a:rPr lang="es-ES" smtClean="0"/>
+              <a:rPr lang="es-ES"/>
               <a:t>Cuarto nivel</a:t>
             </a:r>
           </a:p>
           <a:p>
             <a:pPr lvl="4"/>
             <a:r>
-              <a:rPr lang="es-ES" smtClean="0"/>
+              <a:rPr lang="es-ES"/>
               <a:t>Quinto nivel</a:t>
             </a:r>
             <a:endParaRPr lang="en-US" dirty="0"/>
@@ -5340,7 +5345,7 @@
             <a:fld id="{B61BEF0D-F0BB-DE4B-95CE-6DB70DBA9567}" type="datetimeFigureOut">
               <a:rPr lang="en-US" smtClean="0"/>
               <a:pPr/>
-              <a:t>8/19/2016</a:t>
+              <a:t>8/20/2016</a:t>
             </a:fld>
             <a:endParaRPr lang="en-US" dirty="0"/>
           </a:p>
@@ -5417,7 +5422,7 @@
             <a:fld id="{D57F1E4F-1CFF-5643-939E-217C01CDF565}" type="slidenum">
               <a:rPr lang="en-US" smtClean="0"/>
               <a:pPr/>
-              <a:t>‹Nº›</a:t>
+              <a:t>‹#›</a:t>
             </a:fld>
             <a:endParaRPr lang="en-US" dirty="0"/>
           </a:p>
@@ -5888,7 +5893,7 @@
           <a:lstStyle/>
           <a:p>
             <a:r>
-              <a:rPr lang="es-AR" sz="9600" b="1" dirty="0" smtClean="0">
+              <a:rPr lang="es-AR" sz="9600" b="1" dirty="0">
                 <a:ln w="12700">
                   <a:solidFill>
                     <a:schemeClr val="accent5"/>
@@ -5909,25 +5914,6 @@
               </a:rPr>
               <a:t>S</a:t>
             </a:r>
-            <a:endParaRPr lang="es-AR" sz="9600" b="1" dirty="0">
-              <a:ln w="12700">
-                <a:solidFill>
-                  <a:schemeClr val="accent5"/>
-                </a:solidFill>
-                <a:prstDash val="solid"/>
-              </a:ln>
-              <a:pattFill prst="ltDnDiag">
-                <a:fgClr>
-                  <a:schemeClr val="accent5">
-                    <a:lumMod val="60000"/>
-                    <a:lumOff val="40000"/>
-                  </a:schemeClr>
-                </a:fgClr>
-                <a:bgClr>
-                  <a:schemeClr val="bg1"/>
-                </a:bgClr>
-              </a:pattFill>
-            </a:endParaRPr>
           </a:p>
         </p:txBody>
       </p:sp>
@@ -6014,7 +6000,7 @@
         </p:nvSpPr>
         <p:spPr>
           <a:xfrm>
-            <a:off x="677335" y="95890"/>
+            <a:off x="1927669" y="43731"/>
             <a:ext cx="8596668" cy="1826581"/>
           </a:xfrm>
         </p:spPr>
@@ -6023,10 +6009,9 @@
           <a:lstStyle/>
           <a:p>
             <a:r>
-              <a:rPr lang="es-AR" dirty="0" smtClean="0"/>
+              <a:rPr lang="es-AR" dirty="0"/>
               <a:t>Beneficios del producto</a:t>
             </a:r>
-            <a:endParaRPr lang="es-AR" dirty="0"/>
           </a:p>
         </p:txBody>
       </p:sp>
@@ -6057,7 +6042,7 @@
               <a:buChar char="•"/>
             </a:pPr>
             <a:r>
-              <a:rPr lang="es-AR" dirty="0" smtClean="0"/>
+              <a:rPr lang="es-AR" dirty="0"/>
               <a:t>Desarrollo de capacidades</a:t>
             </a:r>
           </a:p>
@@ -6067,7 +6052,7 @@
               <a:buChar char="•"/>
             </a:pPr>
             <a:r>
-              <a:rPr lang="es-AR" dirty="0" smtClean="0"/>
+              <a:rPr lang="es-AR" dirty="0"/>
               <a:t>Seguimiento personalizado</a:t>
             </a:r>
           </a:p>
@@ -6077,7 +6062,7 @@
               <a:buChar char="•"/>
             </a:pPr>
             <a:r>
-              <a:rPr lang="es-AR" dirty="0" smtClean="0"/>
+              <a:rPr lang="es-AR" dirty="0"/>
               <a:t>Aprendizaje adaptativo</a:t>
             </a:r>
           </a:p>
@@ -6087,10 +6072,9 @@
               <a:buChar char="•"/>
             </a:pPr>
             <a:r>
-              <a:rPr lang="es-AR" dirty="0" smtClean="0"/>
+              <a:rPr lang="es-AR" dirty="0"/>
               <a:t>Evolución del producto adaptado al cliente</a:t>
             </a:r>
-            <a:endParaRPr lang="es-AR" dirty="0"/>
           </a:p>
         </p:txBody>
       </p:sp>
@@ -6116,20 +6100,139 @@
           <a:lstStyle/>
           <a:p>
             <a:r>
-              <a:rPr lang="es-AR" dirty="0" smtClean="0">
-                <a:latin typeface="Arial" panose="020B0604020202020204" pitchFamily="34" charset="0"/>
-                <a:ea typeface="Arial" panose="020B0604020202020204" pitchFamily="34" charset="0"/>
-              </a:rPr>
-              <a:t>El </a:t>
-            </a:r>
-            <a:r>
               <a:rPr lang="es-AR" dirty="0">
                 <a:latin typeface="Arial" panose="020B0604020202020204" pitchFamily="34" charset="0"/>
                 <a:ea typeface="Arial" panose="020B0604020202020204" pitchFamily="34" charset="0"/>
               </a:rPr>
-              <a:t>aprendizaje es un proceso complejo que no solo depende de cómo se enseña, sino también de cómo el estudiante percibe y/o procesa la información</a:t>
+              <a:t>El aprendizaje es un proceso complejo que no solo depende de cómo se enseña, sino también de cómo el estudiante percibe y/o procesa la información</a:t>
             </a:r>
             <a:endParaRPr lang="es-AR" dirty="0"/>
+          </a:p>
+        </p:txBody>
+      </p:sp>
+      <p:pic>
+        <p:nvPicPr>
+          <p:cNvPr id="5" name="image01.png"/>
+          <p:cNvPicPr/>
+          <p:nvPr/>
+        </p:nvPicPr>
+        <p:blipFill>
+          <a:blip r:embed="rId2"/>
+          <a:srcRect/>
+          <a:stretch>
+            <a:fillRect/>
+          </a:stretch>
+        </p:blipFill>
+        <p:spPr>
+          <a:xfrm>
+            <a:off x="344350" y="291549"/>
+            <a:ext cx="1104244" cy="768625"/>
+          </a:xfrm>
+          <a:prstGeom prst="rect">
+            <a:avLst/>
+          </a:prstGeom>
+          <a:ln/>
+        </p:spPr>
+      </p:pic>
+      <p:sp>
+        <p:nvSpPr>
+          <p:cNvPr id="6" name="Título 1"/>
+          <p:cNvSpPr txBox="1">
+            <a:spLocks/>
+          </p:cNvSpPr>
+          <p:nvPr/>
+        </p:nvSpPr>
+        <p:spPr>
+          <a:xfrm>
+            <a:off x="450574" y="1060174"/>
+            <a:ext cx="838787" cy="501096"/>
+          </a:xfrm>
+          <a:prstGeom prst="rect">
+            <a:avLst/>
+          </a:prstGeom>
+        </p:spPr>
+        <p:txBody>
+          <a:bodyPr vert="horz" lIns="91440" tIns="45720" rIns="91440" bIns="45720" rtlCol="0" anchor="t">
+            <a:normAutofit/>
+          </a:bodyPr>
+          <a:lstStyle>
+            <a:lvl1pPr algn="l" defTabSz="457200" rtl="0" eaLnBrk="1" latinLnBrk="0" hangingPunct="1">
+              <a:spcBef>
+                <a:spcPct val="0"/>
+              </a:spcBef>
+              <a:buNone/>
+              <a:defRPr sz="3600" kern="1200">
+                <a:solidFill>
+                  <a:schemeClr val="accent1"/>
+                </a:solidFill>
+                <a:latin typeface="+mj-lt"/>
+                <a:ea typeface="+mj-ea"/>
+                <a:cs typeface="+mj-cs"/>
+              </a:defRPr>
+            </a:lvl1pPr>
+            <a:lvl2pPr eaLnBrk="1" hangingPunct="1">
+              <a:defRPr>
+                <a:solidFill>
+                  <a:schemeClr val="tx2"/>
+                </a:solidFill>
+              </a:defRPr>
+            </a:lvl2pPr>
+            <a:lvl3pPr eaLnBrk="1" hangingPunct="1">
+              <a:defRPr>
+                <a:solidFill>
+                  <a:schemeClr val="tx2"/>
+                </a:solidFill>
+              </a:defRPr>
+            </a:lvl3pPr>
+            <a:lvl4pPr eaLnBrk="1" hangingPunct="1">
+              <a:defRPr>
+                <a:solidFill>
+                  <a:schemeClr val="tx2"/>
+                </a:solidFill>
+              </a:defRPr>
+            </a:lvl4pPr>
+            <a:lvl5pPr eaLnBrk="1" hangingPunct="1">
+              <a:defRPr>
+                <a:solidFill>
+                  <a:schemeClr val="tx2"/>
+                </a:solidFill>
+              </a:defRPr>
+            </a:lvl5pPr>
+            <a:lvl6pPr eaLnBrk="1" hangingPunct="1">
+              <a:defRPr>
+                <a:solidFill>
+                  <a:schemeClr val="tx2"/>
+                </a:solidFill>
+              </a:defRPr>
+            </a:lvl6pPr>
+            <a:lvl7pPr eaLnBrk="1" hangingPunct="1">
+              <a:defRPr>
+                <a:solidFill>
+                  <a:schemeClr val="tx2"/>
+                </a:solidFill>
+              </a:defRPr>
+            </a:lvl7pPr>
+            <a:lvl8pPr eaLnBrk="1" hangingPunct="1">
+              <a:defRPr>
+                <a:solidFill>
+                  <a:schemeClr val="tx2"/>
+                </a:solidFill>
+              </a:defRPr>
+            </a:lvl8pPr>
+            <a:lvl9pPr eaLnBrk="1" hangingPunct="1">
+              <a:defRPr>
+                <a:solidFill>
+                  <a:schemeClr val="tx2"/>
+                </a:solidFill>
+              </a:defRPr>
+            </a:lvl9pPr>
+          </a:lstStyle>
+          <a:p>
+            <a:pPr algn="r"/>
+            <a:r>
+              <a:rPr lang="es-AR" sz="2400" dirty="0"/>
+              <a:t>SAFE</a:t>
+            </a:r>
           </a:p>
         </p:txBody>
       </p:sp>
@@ -6179,10 +6282,9 @@
           <a:lstStyle/>
           <a:p>
             <a:r>
-              <a:rPr lang="es-AR" dirty="0" smtClean="0"/>
+              <a:rPr lang="es-AR" dirty="0"/>
               <a:t>Características</a:t>
             </a:r>
-            <a:endParaRPr lang="es-AR" dirty="0"/>
           </a:p>
         </p:txBody>
       </p:sp>
@@ -6206,10 +6308,135 @@
               <a:buChar char="•"/>
             </a:pPr>
             <a:r>
-              <a:rPr lang="es-AR" dirty="0" smtClean="0"/>
+              <a:rPr lang="es-AR" dirty="0"/>
               <a:t>Inteligencia Artificial</a:t>
             </a:r>
-            <a:endParaRPr lang="es-AR" dirty="0"/>
+          </a:p>
+        </p:txBody>
+      </p:sp>
+      <p:pic>
+        <p:nvPicPr>
+          <p:cNvPr id="4" name="image01.png"/>
+          <p:cNvPicPr/>
+          <p:nvPr/>
+        </p:nvPicPr>
+        <p:blipFill>
+          <a:blip r:embed="rId2"/>
+          <a:srcRect/>
+          <a:stretch>
+            <a:fillRect/>
+          </a:stretch>
+        </p:blipFill>
+        <p:spPr>
+          <a:xfrm>
+            <a:off x="344350" y="291549"/>
+            <a:ext cx="1104244" cy="768625"/>
+          </a:xfrm>
+          <a:prstGeom prst="rect">
+            <a:avLst/>
+          </a:prstGeom>
+          <a:ln/>
+        </p:spPr>
+      </p:pic>
+      <p:sp>
+        <p:nvSpPr>
+          <p:cNvPr id="5" name="Título 1"/>
+          <p:cNvSpPr txBox="1">
+            <a:spLocks/>
+          </p:cNvSpPr>
+          <p:nvPr/>
+        </p:nvSpPr>
+        <p:spPr>
+          <a:xfrm>
+            <a:off x="450574" y="1060174"/>
+            <a:ext cx="838787" cy="501096"/>
+          </a:xfrm>
+          <a:prstGeom prst="rect">
+            <a:avLst/>
+          </a:prstGeom>
+        </p:spPr>
+        <p:txBody>
+          <a:bodyPr vert="horz" lIns="91440" tIns="45720" rIns="91440" bIns="45720" rtlCol="0" anchor="t">
+            <a:normAutofit/>
+          </a:bodyPr>
+          <a:lstStyle>
+            <a:lvl1pPr algn="l" defTabSz="457200" rtl="0" eaLnBrk="1" latinLnBrk="0" hangingPunct="1">
+              <a:spcBef>
+                <a:spcPct val="0"/>
+              </a:spcBef>
+              <a:buNone/>
+              <a:defRPr sz="3600" kern="1200">
+                <a:solidFill>
+                  <a:schemeClr val="accent1"/>
+                </a:solidFill>
+                <a:latin typeface="+mj-lt"/>
+                <a:ea typeface="+mj-ea"/>
+                <a:cs typeface="+mj-cs"/>
+              </a:defRPr>
+            </a:lvl1pPr>
+            <a:lvl2pPr eaLnBrk="1" hangingPunct="1">
+              <a:defRPr>
+                <a:solidFill>
+                  <a:schemeClr val="tx2"/>
+                </a:solidFill>
+              </a:defRPr>
+            </a:lvl2pPr>
+            <a:lvl3pPr eaLnBrk="1" hangingPunct="1">
+              <a:defRPr>
+                <a:solidFill>
+                  <a:schemeClr val="tx2"/>
+                </a:solidFill>
+              </a:defRPr>
+            </a:lvl3pPr>
+            <a:lvl4pPr eaLnBrk="1" hangingPunct="1">
+              <a:defRPr>
+                <a:solidFill>
+                  <a:schemeClr val="tx2"/>
+                </a:solidFill>
+              </a:defRPr>
+            </a:lvl4pPr>
+            <a:lvl5pPr eaLnBrk="1" hangingPunct="1">
+              <a:defRPr>
+                <a:solidFill>
+                  <a:schemeClr val="tx2"/>
+                </a:solidFill>
+              </a:defRPr>
+            </a:lvl5pPr>
+            <a:lvl6pPr eaLnBrk="1" hangingPunct="1">
+              <a:defRPr>
+                <a:solidFill>
+                  <a:schemeClr val="tx2"/>
+                </a:solidFill>
+              </a:defRPr>
+            </a:lvl6pPr>
+            <a:lvl7pPr eaLnBrk="1" hangingPunct="1">
+              <a:defRPr>
+                <a:solidFill>
+                  <a:schemeClr val="tx2"/>
+                </a:solidFill>
+              </a:defRPr>
+            </a:lvl7pPr>
+            <a:lvl8pPr eaLnBrk="1" hangingPunct="1">
+              <a:defRPr>
+                <a:solidFill>
+                  <a:schemeClr val="tx2"/>
+                </a:solidFill>
+              </a:defRPr>
+            </a:lvl8pPr>
+            <a:lvl9pPr eaLnBrk="1" hangingPunct="1">
+              <a:defRPr>
+                <a:solidFill>
+                  <a:schemeClr val="tx2"/>
+                </a:solidFill>
+              </a:defRPr>
+            </a:lvl9pPr>
+          </a:lstStyle>
+          <a:p>
+            <a:pPr algn="r"/>
+            <a:r>
+              <a:rPr lang="es-AR" sz="2400" dirty="0"/>
+              <a:t>SAFE</a:t>
+            </a:r>
           </a:p>
         </p:txBody>
       </p:sp>
@@ -6255,7 +6482,7 @@
         </p:nvSpPr>
         <p:spPr>
           <a:xfrm>
-            <a:off x="0" y="263793"/>
+            <a:off x="1448594" y="450322"/>
             <a:ext cx="8596668" cy="860400"/>
           </a:xfrm>
         </p:spPr>
@@ -6268,6 +6495,132 @@
               <a:buChar char="•"/>
             </a:pPr>
             <a:endParaRPr lang="es-AR" dirty="0"/>
+          </a:p>
+        </p:txBody>
+      </p:sp>
+      <p:pic>
+        <p:nvPicPr>
+          <p:cNvPr id="4" name="image01.png"/>
+          <p:cNvPicPr/>
+          <p:nvPr/>
+        </p:nvPicPr>
+        <p:blipFill>
+          <a:blip r:embed="rId2"/>
+          <a:srcRect/>
+          <a:stretch>
+            <a:fillRect/>
+          </a:stretch>
+        </p:blipFill>
+        <p:spPr>
+          <a:xfrm>
+            <a:off x="344350" y="291549"/>
+            <a:ext cx="1104244" cy="768625"/>
+          </a:xfrm>
+          <a:prstGeom prst="rect">
+            <a:avLst/>
+          </a:prstGeom>
+          <a:ln/>
+        </p:spPr>
+      </p:pic>
+      <p:sp>
+        <p:nvSpPr>
+          <p:cNvPr id="5" name="Título 1"/>
+          <p:cNvSpPr txBox="1">
+            <a:spLocks/>
+          </p:cNvSpPr>
+          <p:nvPr/>
+        </p:nvSpPr>
+        <p:spPr>
+          <a:xfrm>
+            <a:off x="450574" y="1060174"/>
+            <a:ext cx="838787" cy="501096"/>
+          </a:xfrm>
+          <a:prstGeom prst="rect">
+            <a:avLst/>
+          </a:prstGeom>
+        </p:spPr>
+        <p:txBody>
+          <a:bodyPr vert="horz" lIns="91440" tIns="45720" rIns="91440" bIns="45720" rtlCol="0" anchor="t">
+            <a:normAutofit/>
+          </a:bodyPr>
+          <a:lstStyle>
+            <a:lvl1pPr algn="l" defTabSz="457200" rtl="0" eaLnBrk="1" latinLnBrk="0" hangingPunct="1">
+              <a:spcBef>
+                <a:spcPct val="0"/>
+              </a:spcBef>
+              <a:buNone/>
+              <a:defRPr sz="3600" kern="1200">
+                <a:solidFill>
+                  <a:schemeClr val="accent1"/>
+                </a:solidFill>
+                <a:latin typeface="+mj-lt"/>
+                <a:ea typeface="+mj-ea"/>
+                <a:cs typeface="+mj-cs"/>
+              </a:defRPr>
+            </a:lvl1pPr>
+            <a:lvl2pPr eaLnBrk="1" hangingPunct="1">
+              <a:defRPr>
+                <a:solidFill>
+                  <a:schemeClr val="tx2"/>
+                </a:solidFill>
+              </a:defRPr>
+            </a:lvl2pPr>
+            <a:lvl3pPr eaLnBrk="1" hangingPunct="1">
+              <a:defRPr>
+                <a:solidFill>
+                  <a:schemeClr val="tx2"/>
+                </a:solidFill>
+              </a:defRPr>
+            </a:lvl3pPr>
+            <a:lvl4pPr eaLnBrk="1" hangingPunct="1">
+              <a:defRPr>
+                <a:solidFill>
+                  <a:schemeClr val="tx2"/>
+                </a:solidFill>
+              </a:defRPr>
+            </a:lvl4pPr>
+            <a:lvl5pPr eaLnBrk="1" hangingPunct="1">
+              <a:defRPr>
+                <a:solidFill>
+                  <a:schemeClr val="tx2"/>
+                </a:solidFill>
+              </a:defRPr>
+            </a:lvl5pPr>
+            <a:lvl6pPr eaLnBrk="1" hangingPunct="1">
+              <a:defRPr>
+                <a:solidFill>
+                  <a:schemeClr val="tx2"/>
+                </a:solidFill>
+              </a:defRPr>
+            </a:lvl6pPr>
+            <a:lvl7pPr eaLnBrk="1" hangingPunct="1">
+              <a:defRPr>
+                <a:solidFill>
+                  <a:schemeClr val="tx2"/>
+                </a:solidFill>
+              </a:defRPr>
+            </a:lvl7pPr>
+            <a:lvl8pPr eaLnBrk="1" hangingPunct="1">
+              <a:defRPr>
+                <a:solidFill>
+                  <a:schemeClr val="tx2"/>
+                </a:solidFill>
+              </a:defRPr>
+            </a:lvl8pPr>
+            <a:lvl9pPr eaLnBrk="1" hangingPunct="1">
+              <a:defRPr>
+                <a:solidFill>
+                  <a:schemeClr val="tx2"/>
+                </a:solidFill>
+              </a:defRPr>
+            </a:lvl9pPr>
+          </a:lstStyle>
+          <a:p>
+            <a:pPr algn="r"/>
+            <a:r>
+              <a:rPr lang="es-AR" sz="2400" dirty="0"/>
+              <a:t>SAFE</a:t>
+            </a:r>
           </a:p>
         </p:txBody>
       </p:sp>
@@ -6346,6 +6699,132 @@
           </a:p>
         </p:txBody>
       </p:sp>
+      <p:pic>
+        <p:nvPicPr>
+          <p:cNvPr id="4" name="image01.png"/>
+          <p:cNvPicPr/>
+          <p:nvPr/>
+        </p:nvPicPr>
+        <p:blipFill>
+          <a:blip r:embed="rId2"/>
+          <a:srcRect/>
+          <a:stretch>
+            <a:fillRect/>
+          </a:stretch>
+        </p:blipFill>
+        <p:spPr>
+          <a:xfrm>
+            <a:off x="344350" y="291549"/>
+            <a:ext cx="1104244" cy="768625"/>
+          </a:xfrm>
+          <a:prstGeom prst="rect">
+            <a:avLst/>
+          </a:prstGeom>
+          <a:ln/>
+        </p:spPr>
+      </p:pic>
+      <p:sp>
+        <p:nvSpPr>
+          <p:cNvPr id="5" name="Título 1"/>
+          <p:cNvSpPr txBox="1">
+            <a:spLocks/>
+          </p:cNvSpPr>
+          <p:nvPr/>
+        </p:nvSpPr>
+        <p:spPr>
+          <a:xfrm>
+            <a:off x="450574" y="1060174"/>
+            <a:ext cx="838787" cy="501096"/>
+          </a:xfrm>
+          <a:prstGeom prst="rect">
+            <a:avLst/>
+          </a:prstGeom>
+        </p:spPr>
+        <p:txBody>
+          <a:bodyPr vert="horz" lIns="91440" tIns="45720" rIns="91440" bIns="45720" rtlCol="0" anchor="t">
+            <a:normAutofit/>
+          </a:bodyPr>
+          <a:lstStyle>
+            <a:lvl1pPr algn="l" defTabSz="457200" rtl="0" eaLnBrk="1" latinLnBrk="0" hangingPunct="1">
+              <a:spcBef>
+                <a:spcPct val="0"/>
+              </a:spcBef>
+              <a:buNone/>
+              <a:defRPr sz="3600" kern="1200">
+                <a:solidFill>
+                  <a:schemeClr val="accent1"/>
+                </a:solidFill>
+                <a:latin typeface="+mj-lt"/>
+                <a:ea typeface="+mj-ea"/>
+                <a:cs typeface="+mj-cs"/>
+              </a:defRPr>
+            </a:lvl1pPr>
+            <a:lvl2pPr eaLnBrk="1" hangingPunct="1">
+              <a:defRPr>
+                <a:solidFill>
+                  <a:schemeClr val="tx2"/>
+                </a:solidFill>
+              </a:defRPr>
+            </a:lvl2pPr>
+            <a:lvl3pPr eaLnBrk="1" hangingPunct="1">
+              <a:defRPr>
+                <a:solidFill>
+                  <a:schemeClr val="tx2"/>
+                </a:solidFill>
+              </a:defRPr>
+            </a:lvl3pPr>
+            <a:lvl4pPr eaLnBrk="1" hangingPunct="1">
+              <a:defRPr>
+                <a:solidFill>
+                  <a:schemeClr val="tx2"/>
+                </a:solidFill>
+              </a:defRPr>
+            </a:lvl4pPr>
+            <a:lvl5pPr eaLnBrk="1" hangingPunct="1">
+              <a:defRPr>
+                <a:solidFill>
+                  <a:schemeClr val="tx2"/>
+                </a:solidFill>
+              </a:defRPr>
+            </a:lvl5pPr>
+            <a:lvl6pPr eaLnBrk="1" hangingPunct="1">
+              <a:defRPr>
+                <a:solidFill>
+                  <a:schemeClr val="tx2"/>
+                </a:solidFill>
+              </a:defRPr>
+            </a:lvl6pPr>
+            <a:lvl7pPr eaLnBrk="1" hangingPunct="1">
+              <a:defRPr>
+                <a:solidFill>
+                  <a:schemeClr val="tx2"/>
+                </a:solidFill>
+              </a:defRPr>
+            </a:lvl7pPr>
+            <a:lvl8pPr eaLnBrk="1" hangingPunct="1">
+              <a:defRPr>
+                <a:solidFill>
+                  <a:schemeClr val="tx2"/>
+                </a:solidFill>
+              </a:defRPr>
+            </a:lvl8pPr>
+            <a:lvl9pPr eaLnBrk="1" hangingPunct="1">
+              <a:defRPr>
+                <a:solidFill>
+                  <a:schemeClr val="tx2"/>
+                </a:solidFill>
+              </a:defRPr>
+            </a:lvl9pPr>
+          </a:lstStyle>
+          <a:p>
+            <a:pPr algn="r"/>
+            <a:r>
+              <a:rPr lang="es-AR" sz="2400" dirty="0"/>
+              <a:t>SAFE</a:t>
+            </a:r>
+          </a:p>
+        </p:txBody>
+      </p:sp>
     </p:spTree>
     <p:extLst>
       <p:ext uri="{BB962C8B-B14F-4D97-AF65-F5344CB8AC3E}">
@@ -6392,10 +6871,135 @@
           <a:lstStyle/>
           <a:p>
             <a:r>
-              <a:rPr lang="es-AR" sz="8000" dirty="0" smtClean="0"/>
+              <a:rPr lang="es-AR" sz="8000" dirty="0"/>
               <a:t>Gracias</a:t>
             </a:r>
-            <a:endParaRPr lang="es-AR" sz="8000" dirty="0"/>
+          </a:p>
+        </p:txBody>
+      </p:sp>
+      <p:pic>
+        <p:nvPicPr>
+          <p:cNvPr id="3" name="image01.png"/>
+          <p:cNvPicPr/>
+          <p:nvPr/>
+        </p:nvPicPr>
+        <p:blipFill>
+          <a:blip r:embed="rId2"/>
+          <a:srcRect/>
+          <a:stretch>
+            <a:fillRect/>
+          </a:stretch>
+        </p:blipFill>
+        <p:spPr>
+          <a:xfrm>
+            <a:off x="344350" y="291549"/>
+            <a:ext cx="1104244" cy="768625"/>
+          </a:xfrm>
+          <a:prstGeom prst="rect">
+            <a:avLst/>
+          </a:prstGeom>
+          <a:ln/>
+        </p:spPr>
+      </p:pic>
+      <p:sp>
+        <p:nvSpPr>
+          <p:cNvPr id="4" name="Título 1"/>
+          <p:cNvSpPr txBox="1">
+            <a:spLocks/>
+          </p:cNvSpPr>
+          <p:nvPr/>
+        </p:nvSpPr>
+        <p:spPr>
+          <a:xfrm>
+            <a:off x="450574" y="1060174"/>
+            <a:ext cx="838787" cy="501096"/>
+          </a:xfrm>
+          <a:prstGeom prst="rect">
+            <a:avLst/>
+          </a:prstGeom>
+        </p:spPr>
+        <p:txBody>
+          <a:bodyPr vert="horz" lIns="91440" tIns="45720" rIns="91440" bIns="45720" rtlCol="0" anchor="t">
+            <a:normAutofit/>
+          </a:bodyPr>
+          <a:lstStyle>
+            <a:lvl1pPr algn="l" defTabSz="457200" rtl="0" eaLnBrk="1" latinLnBrk="0" hangingPunct="1">
+              <a:spcBef>
+                <a:spcPct val="0"/>
+              </a:spcBef>
+              <a:buNone/>
+              <a:defRPr sz="3600" kern="1200">
+                <a:solidFill>
+                  <a:schemeClr val="accent1"/>
+                </a:solidFill>
+                <a:latin typeface="+mj-lt"/>
+                <a:ea typeface="+mj-ea"/>
+                <a:cs typeface="+mj-cs"/>
+              </a:defRPr>
+            </a:lvl1pPr>
+            <a:lvl2pPr eaLnBrk="1" hangingPunct="1">
+              <a:defRPr>
+                <a:solidFill>
+                  <a:schemeClr val="tx2"/>
+                </a:solidFill>
+              </a:defRPr>
+            </a:lvl2pPr>
+            <a:lvl3pPr eaLnBrk="1" hangingPunct="1">
+              <a:defRPr>
+                <a:solidFill>
+                  <a:schemeClr val="tx2"/>
+                </a:solidFill>
+              </a:defRPr>
+            </a:lvl3pPr>
+            <a:lvl4pPr eaLnBrk="1" hangingPunct="1">
+              <a:defRPr>
+                <a:solidFill>
+                  <a:schemeClr val="tx2"/>
+                </a:solidFill>
+              </a:defRPr>
+            </a:lvl4pPr>
+            <a:lvl5pPr eaLnBrk="1" hangingPunct="1">
+              <a:defRPr>
+                <a:solidFill>
+                  <a:schemeClr val="tx2"/>
+                </a:solidFill>
+              </a:defRPr>
+            </a:lvl5pPr>
+            <a:lvl6pPr eaLnBrk="1" hangingPunct="1">
+              <a:defRPr>
+                <a:solidFill>
+                  <a:schemeClr val="tx2"/>
+                </a:solidFill>
+              </a:defRPr>
+            </a:lvl6pPr>
+            <a:lvl7pPr eaLnBrk="1" hangingPunct="1">
+              <a:defRPr>
+                <a:solidFill>
+                  <a:schemeClr val="tx2"/>
+                </a:solidFill>
+              </a:defRPr>
+            </a:lvl7pPr>
+            <a:lvl8pPr eaLnBrk="1" hangingPunct="1">
+              <a:defRPr>
+                <a:solidFill>
+                  <a:schemeClr val="tx2"/>
+                </a:solidFill>
+              </a:defRPr>
+            </a:lvl8pPr>
+            <a:lvl9pPr eaLnBrk="1" hangingPunct="1">
+              <a:defRPr>
+                <a:solidFill>
+                  <a:schemeClr val="tx2"/>
+                </a:solidFill>
+              </a:defRPr>
+            </a:lvl9pPr>
+          </a:lstStyle>
+          <a:p>
+            <a:pPr algn="r"/>
+            <a:r>
+              <a:rPr lang="es-AR" sz="2400" dirty="0"/>
+              <a:t>SAFE</a:t>
+            </a:r>
           </a:p>
         </p:txBody>
       </p:sp>
@@ -6441,19 +7045,272 @@
         </p:nvSpPr>
         <p:spPr>
           <a:xfrm>
-            <a:off x="677334" y="609600"/>
-            <a:ext cx="8596668" cy="1320800"/>
+            <a:off x="4346713" y="675861"/>
+            <a:ext cx="3522558" cy="1320800"/>
           </a:xfrm>
         </p:spPr>
         <p:txBody>
-          <a:bodyPr/>
+          <a:bodyPr>
+            <a:normAutofit/>
+          </a:bodyPr>
           <a:lstStyle/>
           <a:p>
-            <a:r>
-              <a:rPr lang="es-AR" dirty="0" smtClean="0"/>
+            <a:pPr algn="r"/>
+            <a:r>
+              <a:rPr lang="es-AR" sz="4800" b="1" u="sng" dirty="0"/>
               <a:t>Integrantes</a:t>
             </a:r>
-            <a:endParaRPr lang="es-AR" dirty="0"/>
+          </a:p>
+        </p:txBody>
+      </p:sp>
+      <p:sp>
+        <p:nvSpPr>
+          <p:cNvPr id="3" name="Título 1"/>
+          <p:cNvSpPr txBox="1">
+            <a:spLocks/>
+          </p:cNvSpPr>
+          <p:nvPr/>
+        </p:nvSpPr>
+        <p:spPr>
+          <a:xfrm>
+            <a:off x="3009716" y="2288207"/>
+            <a:ext cx="8596668" cy="3184939"/>
+          </a:xfrm>
+          <a:prstGeom prst="rect">
+            <a:avLst/>
+          </a:prstGeom>
+        </p:spPr>
+        <p:txBody>
+          <a:bodyPr vert="horz" lIns="91440" tIns="45720" rIns="91440" bIns="45720" rtlCol="0" anchor="t">
+            <a:normAutofit/>
+          </a:bodyPr>
+          <a:lstStyle>
+            <a:lvl1pPr algn="l" defTabSz="457200" rtl="0" eaLnBrk="1" latinLnBrk="0" hangingPunct="1">
+              <a:spcBef>
+                <a:spcPct val="0"/>
+              </a:spcBef>
+              <a:buNone/>
+              <a:defRPr sz="3600" kern="1200">
+                <a:solidFill>
+                  <a:schemeClr val="accent1"/>
+                </a:solidFill>
+                <a:latin typeface="+mj-lt"/>
+                <a:ea typeface="+mj-ea"/>
+                <a:cs typeface="+mj-cs"/>
+              </a:defRPr>
+            </a:lvl1pPr>
+            <a:lvl2pPr eaLnBrk="1" hangingPunct="1">
+              <a:defRPr>
+                <a:solidFill>
+                  <a:schemeClr val="tx2"/>
+                </a:solidFill>
+              </a:defRPr>
+            </a:lvl2pPr>
+            <a:lvl3pPr eaLnBrk="1" hangingPunct="1">
+              <a:defRPr>
+                <a:solidFill>
+                  <a:schemeClr val="tx2"/>
+                </a:solidFill>
+              </a:defRPr>
+            </a:lvl3pPr>
+            <a:lvl4pPr eaLnBrk="1" hangingPunct="1">
+              <a:defRPr>
+                <a:solidFill>
+                  <a:schemeClr val="tx2"/>
+                </a:solidFill>
+              </a:defRPr>
+            </a:lvl4pPr>
+            <a:lvl5pPr eaLnBrk="1" hangingPunct="1">
+              <a:defRPr>
+                <a:solidFill>
+                  <a:schemeClr val="tx2"/>
+                </a:solidFill>
+              </a:defRPr>
+            </a:lvl5pPr>
+            <a:lvl6pPr eaLnBrk="1" hangingPunct="1">
+              <a:defRPr>
+                <a:solidFill>
+                  <a:schemeClr val="tx2"/>
+                </a:solidFill>
+              </a:defRPr>
+            </a:lvl6pPr>
+            <a:lvl7pPr eaLnBrk="1" hangingPunct="1">
+              <a:defRPr>
+                <a:solidFill>
+                  <a:schemeClr val="tx2"/>
+                </a:solidFill>
+              </a:defRPr>
+            </a:lvl7pPr>
+            <a:lvl8pPr eaLnBrk="1" hangingPunct="1">
+              <a:defRPr>
+                <a:solidFill>
+                  <a:schemeClr val="tx2"/>
+                </a:solidFill>
+              </a:defRPr>
+            </a:lvl8pPr>
+            <a:lvl9pPr eaLnBrk="1" hangingPunct="1">
+              <a:defRPr>
+                <a:solidFill>
+                  <a:schemeClr val="tx2"/>
+                </a:solidFill>
+              </a:defRPr>
+            </a:lvl9pPr>
+          </a:lstStyle>
+          <a:p>
+            <a:r>
+              <a:rPr lang="es-AR" dirty="0"/>
+              <a:t>Cinthia Montañez</a:t>
+            </a:r>
+          </a:p>
+          <a:p>
+            <a:r>
+              <a:rPr lang="es-AR" dirty="0"/>
+              <a:t>Facundo Obregon</a:t>
+            </a:r>
+          </a:p>
+          <a:p>
+            <a:r>
+              <a:rPr lang="es-AR" dirty="0"/>
+              <a:t>Gerardo Matsui</a:t>
+            </a:r>
+          </a:p>
+          <a:p>
+            <a:r>
+              <a:rPr lang="es-AR" dirty="0"/>
+              <a:t>Jonatan Caro</a:t>
+            </a:r>
+          </a:p>
+          <a:p>
+            <a:r>
+              <a:rPr lang="es-AR" dirty="0"/>
+              <a:t>Santiago Peralta</a:t>
+            </a:r>
+          </a:p>
+        </p:txBody>
+      </p:sp>
+      <p:pic>
+        <p:nvPicPr>
+          <p:cNvPr id="4" name="image01.png"/>
+          <p:cNvPicPr/>
+          <p:nvPr/>
+        </p:nvPicPr>
+        <p:blipFill>
+          <a:blip r:embed="rId2"/>
+          <a:srcRect/>
+          <a:stretch>
+            <a:fillRect/>
+          </a:stretch>
+        </p:blipFill>
+        <p:spPr>
+          <a:xfrm>
+            <a:off x="344350" y="291549"/>
+            <a:ext cx="1104244" cy="768625"/>
+          </a:xfrm>
+          <a:prstGeom prst="rect">
+            <a:avLst/>
+          </a:prstGeom>
+          <a:ln/>
+        </p:spPr>
+      </p:pic>
+      <p:sp>
+        <p:nvSpPr>
+          <p:cNvPr id="5" name="Título 1"/>
+          <p:cNvSpPr txBox="1">
+            <a:spLocks/>
+          </p:cNvSpPr>
+          <p:nvPr/>
+        </p:nvSpPr>
+        <p:spPr>
+          <a:xfrm>
+            <a:off x="450574" y="1060174"/>
+            <a:ext cx="838787" cy="501096"/>
+          </a:xfrm>
+          <a:prstGeom prst="rect">
+            <a:avLst/>
+          </a:prstGeom>
+        </p:spPr>
+        <p:txBody>
+          <a:bodyPr vert="horz" lIns="91440" tIns="45720" rIns="91440" bIns="45720" rtlCol="0" anchor="t">
+            <a:normAutofit/>
+          </a:bodyPr>
+          <a:lstStyle>
+            <a:lvl1pPr algn="l" defTabSz="457200" rtl="0" eaLnBrk="1" latinLnBrk="0" hangingPunct="1">
+              <a:spcBef>
+                <a:spcPct val="0"/>
+              </a:spcBef>
+              <a:buNone/>
+              <a:defRPr sz="3600" kern="1200">
+                <a:solidFill>
+                  <a:schemeClr val="accent1"/>
+                </a:solidFill>
+                <a:latin typeface="+mj-lt"/>
+                <a:ea typeface="+mj-ea"/>
+                <a:cs typeface="+mj-cs"/>
+              </a:defRPr>
+            </a:lvl1pPr>
+            <a:lvl2pPr eaLnBrk="1" hangingPunct="1">
+              <a:defRPr>
+                <a:solidFill>
+                  <a:schemeClr val="tx2"/>
+                </a:solidFill>
+              </a:defRPr>
+            </a:lvl2pPr>
+            <a:lvl3pPr eaLnBrk="1" hangingPunct="1">
+              <a:defRPr>
+                <a:solidFill>
+                  <a:schemeClr val="tx2"/>
+                </a:solidFill>
+              </a:defRPr>
+            </a:lvl3pPr>
+            <a:lvl4pPr eaLnBrk="1" hangingPunct="1">
+              <a:defRPr>
+                <a:solidFill>
+                  <a:schemeClr val="tx2"/>
+                </a:solidFill>
+              </a:defRPr>
+            </a:lvl4pPr>
+            <a:lvl5pPr eaLnBrk="1" hangingPunct="1">
+              <a:defRPr>
+                <a:solidFill>
+                  <a:schemeClr val="tx2"/>
+                </a:solidFill>
+              </a:defRPr>
+            </a:lvl5pPr>
+            <a:lvl6pPr eaLnBrk="1" hangingPunct="1">
+              <a:defRPr>
+                <a:solidFill>
+                  <a:schemeClr val="tx2"/>
+                </a:solidFill>
+              </a:defRPr>
+            </a:lvl6pPr>
+            <a:lvl7pPr eaLnBrk="1" hangingPunct="1">
+              <a:defRPr>
+                <a:solidFill>
+                  <a:schemeClr val="tx2"/>
+                </a:solidFill>
+              </a:defRPr>
+            </a:lvl7pPr>
+            <a:lvl8pPr eaLnBrk="1" hangingPunct="1">
+              <a:defRPr>
+                <a:solidFill>
+                  <a:schemeClr val="tx2"/>
+                </a:solidFill>
+              </a:defRPr>
+            </a:lvl8pPr>
+            <a:lvl9pPr eaLnBrk="1" hangingPunct="1">
+              <a:defRPr>
+                <a:solidFill>
+                  <a:schemeClr val="tx2"/>
+                </a:solidFill>
+              </a:defRPr>
+            </a:lvl9pPr>
+          </a:lstStyle>
+          <a:p>
+            <a:pPr algn="r"/>
+            <a:r>
+              <a:rPr lang="es-AR" sz="2400" dirty="0"/>
+              <a:t>SAFE</a:t>
+            </a:r>
           </a:p>
         </p:txBody>
       </p:sp>
@@ -6497,16 +7354,146 @@
             <p:ph type="title"/>
           </p:nvPr>
         </p:nvSpPr>
-        <p:spPr/>
+        <p:spPr>
+          <a:xfrm>
+            <a:off x="2868991" y="650322"/>
+            <a:ext cx="8596668" cy="1320800"/>
+          </a:xfrm>
+        </p:spPr>
         <p:txBody>
           <a:bodyPr/>
           <a:lstStyle/>
           <a:p>
             <a:r>
-              <a:rPr lang="es-AR" dirty="0" smtClean="0"/>
+              <a:rPr lang="es-AR" dirty="0"/>
               <a:t>Agenda</a:t>
             </a:r>
-            <a:endParaRPr lang="es-AR" dirty="0"/>
+          </a:p>
+        </p:txBody>
+      </p:sp>
+      <p:pic>
+        <p:nvPicPr>
+          <p:cNvPr id="3" name="image01.png"/>
+          <p:cNvPicPr/>
+          <p:nvPr/>
+        </p:nvPicPr>
+        <p:blipFill>
+          <a:blip r:embed="rId2"/>
+          <a:srcRect/>
+          <a:stretch>
+            <a:fillRect/>
+          </a:stretch>
+        </p:blipFill>
+        <p:spPr>
+          <a:xfrm>
+            <a:off x="344350" y="291549"/>
+            <a:ext cx="1104244" cy="768625"/>
+          </a:xfrm>
+          <a:prstGeom prst="rect">
+            <a:avLst/>
+          </a:prstGeom>
+          <a:ln/>
+        </p:spPr>
+      </p:pic>
+      <p:sp>
+        <p:nvSpPr>
+          <p:cNvPr id="4" name="Título 1"/>
+          <p:cNvSpPr txBox="1">
+            <a:spLocks/>
+          </p:cNvSpPr>
+          <p:nvPr/>
+        </p:nvSpPr>
+        <p:spPr>
+          <a:xfrm>
+            <a:off x="450574" y="1060174"/>
+            <a:ext cx="838787" cy="501096"/>
+          </a:xfrm>
+          <a:prstGeom prst="rect">
+            <a:avLst/>
+          </a:prstGeom>
+        </p:spPr>
+        <p:txBody>
+          <a:bodyPr vert="horz" lIns="91440" tIns="45720" rIns="91440" bIns="45720" rtlCol="0" anchor="t">
+            <a:normAutofit/>
+          </a:bodyPr>
+          <a:lstStyle>
+            <a:lvl1pPr algn="l" defTabSz="457200" rtl="0" eaLnBrk="1" latinLnBrk="0" hangingPunct="1">
+              <a:spcBef>
+                <a:spcPct val="0"/>
+              </a:spcBef>
+              <a:buNone/>
+              <a:defRPr sz="3600" kern="1200">
+                <a:solidFill>
+                  <a:schemeClr val="accent1"/>
+                </a:solidFill>
+                <a:latin typeface="+mj-lt"/>
+                <a:ea typeface="+mj-ea"/>
+                <a:cs typeface="+mj-cs"/>
+              </a:defRPr>
+            </a:lvl1pPr>
+            <a:lvl2pPr eaLnBrk="1" hangingPunct="1">
+              <a:defRPr>
+                <a:solidFill>
+                  <a:schemeClr val="tx2"/>
+                </a:solidFill>
+              </a:defRPr>
+            </a:lvl2pPr>
+            <a:lvl3pPr eaLnBrk="1" hangingPunct="1">
+              <a:defRPr>
+                <a:solidFill>
+                  <a:schemeClr val="tx2"/>
+                </a:solidFill>
+              </a:defRPr>
+            </a:lvl3pPr>
+            <a:lvl4pPr eaLnBrk="1" hangingPunct="1">
+              <a:defRPr>
+                <a:solidFill>
+                  <a:schemeClr val="tx2"/>
+                </a:solidFill>
+              </a:defRPr>
+            </a:lvl4pPr>
+            <a:lvl5pPr eaLnBrk="1" hangingPunct="1">
+              <a:defRPr>
+                <a:solidFill>
+                  <a:schemeClr val="tx2"/>
+                </a:solidFill>
+              </a:defRPr>
+            </a:lvl5pPr>
+            <a:lvl6pPr eaLnBrk="1" hangingPunct="1">
+              <a:defRPr>
+                <a:solidFill>
+                  <a:schemeClr val="tx2"/>
+                </a:solidFill>
+              </a:defRPr>
+            </a:lvl6pPr>
+            <a:lvl7pPr eaLnBrk="1" hangingPunct="1">
+              <a:defRPr>
+                <a:solidFill>
+                  <a:schemeClr val="tx2"/>
+                </a:solidFill>
+              </a:defRPr>
+            </a:lvl7pPr>
+            <a:lvl8pPr eaLnBrk="1" hangingPunct="1">
+              <a:defRPr>
+                <a:solidFill>
+                  <a:schemeClr val="tx2"/>
+                </a:solidFill>
+              </a:defRPr>
+            </a:lvl8pPr>
+            <a:lvl9pPr eaLnBrk="1" hangingPunct="1">
+              <a:defRPr>
+                <a:solidFill>
+                  <a:schemeClr val="tx2"/>
+                </a:solidFill>
+              </a:defRPr>
+            </a:lvl9pPr>
+          </a:lstStyle>
+          <a:p>
+            <a:pPr algn="r"/>
+            <a:r>
+              <a:rPr lang="es-AR" sz="2400" dirty="0"/>
+              <a:t>SAFE</a:t>
+            </a:r>
           </a:p>
         </p:txBody>
       </p:sp>
@@ -6564,10 +7551,135 @@
           <a:p>
             <a:pPr algn="ctr"/>
             <a:r>
-              <a:rPr lang="es-AR" sz="8000" dirty="0" smtClean="0"/>
+              <a:rPr lang="es-AR" sz="8000" dirty="0"/>
               <a:t>Actualidad</a:t>
             </a:r>
-            <a:endParaRPr lang="es-AR" sz="8000" dirty="0"/>
+          </a:p>
+        </p:txBody>
+      </p:sp>
+      <p:pic>
+        <p:nvPicPr>
+          <p:cNvPr id="3" name="image01.png"/>
+          <p:cNvPicPr/>
+          <p:nvPr/>
+        </p:nvPicPr>
+        <p:blipFill>
+          <a:blip r:embed="rId2"/>
+          <a:srcRect/>
+          <a:stretch>
+            <a:fillRect/>
+          </a:stretch>
+        </p:blipFill>
+        <p:spPr>
+          <a:xfrm>
+            <a:off x="344350" y="291549"/>
+            <a:ext cx="1104244" cy="768625"/>
+          </a:xfrm>
+          <a:prstGeom prst="rect">
+            <a:avLst/>
+          </a:prstGeom>
+          <a:ln/>
+        </p:spPr>
+      </p:pic>
+      <p:sp>
+        <p:nvSpPr>
+          <p:cNvPr id="5" name="Título 1"/>
+          <p:cNvSpPr txBox="1">
+            <a:spLocks/>
+          </p:cNvSpPr>
+          <p:nvPr/>
+        </p:nvSpPr>
+        <p:spPr>
+          <a:xfrm>
+            <a:off x="450574" y="1060174"/>
+            <a:ext cx="838787" cy="501096"/>
+          </a:xfrm>
+          <a:prstGeom prst="rect">
+            <a:avLst/>
+          </a:prstGeom>
+        </p:spPr>
+        <p:txBody>
+          <a:bodyPr vert="horz" lIns="91440" tIns="45720" rIns="91440" bIns="45720" rtlCol="0" anchor="t">
+            <a:normAutofit/>
+          </a:bodyPr>
+          <a:lstStyle>
+            <a:lvl1pPr algn="l" defTabSz="457200" rtl="0" eaLnBrk="1" latinLnBrk="0" hangingPunct="1">
+              <a:spcBef>
+                <a:spcPct val="0"/>
+              </a:spcBef>
+              <a:buNone/>
+              <a:defRPr sz="3600" kern="1200">
+                <a:solidFill>
+                  <a:schemeClr val="accent1"/>
+                </a:solidFill>
+                <a:latin typeface="+mj-lt"/>
+                <a:ea typeface="+mj-ea"/>
+                <a:cs typeface="+mj-cs"/>
+              </a:defRPr>
+            </a:lvl1pPr>
+            <a:lvl2pPr eaLnBrk="1" hangingPunct="1">
+              <a:defRPr>
+                <a:solidFill>
+                  <a:schemeClr val="tx2"/>
+                </a:solidFill>
+              </a:defRPr>
+            </a:lvl2pPr>
+            <a:lvl3pPr eaLnBrk="1" hangingPunct="1">
+              <a:defRPr>
+                <a:solidFill>
+                  <a:schemeClr val="tx2"/>
+                </a:solidFill>
+              </a:defRPr>
+            </a:lvl3pPr>
+            <a:lvl4pPr eaLnBrk="1" hangingPunct="1">
+              <a:defRPr>
+                <a:solidFill>
+                  <a:schemeClr val="tx2"/>
+                </a:solidFill>
+              </a:defRPr>
+            </a:lvl4pPr>
+            <a:lvl5pPr eaLnBrk="1" hangingPunct="1">
+              <a:defRPr>
+                <a:solidFill>
+                  <a:schemeClr val="tx2"/>
+                </a:solidFill>
+              </a:defRPr>
+            </a:lvl5pPr>
+            <a:lvl6pPr eaLnBrk="1" hangingPunct="1">
+              <a:defRPr>
+                <a:solidFill>
+                  <a:schemeClr val="tx2"/>
+                </a:solidFill>
+              </a:defRPr>
+            </a:lvl6pPr>
+            <a:lvl7pPr eaLnBrk="1" hangingPunct="1">
+              <a:defRPr>
+                <a:solidFill>
+                  <a:schemeClr val="tx2"/>
+                </a:solidFill>
+              </a:defRPr>
+            </a:lvl7pPr>
+            <a:lvl8pPr eaLnBrk="1" hangingPunct="1">
+              <a:defRPr>
+                <a:solidFill>
+                  <a:schemeClr val="tx2"/>
+                </a:solidFill>
+              </a:defRPr>
+            </a:lvl8pPr>
+            <a:lvl9pPr eaLnBrk="1" hangingPunct="1">
+              <a:defRPr>
+                <a:solidFill>
+                  <a:schemeClr val="tx2"/>
+                </a:solidFill>
+              </a:defRPr>
+            </a:lvl9pPr>
+          </a:lstStyle>
+          <a:p>
+            <a:pPr algn="r"/>
+            <a:r>
+              <a:rPr lang="es-AR" sz="2400" dirty="0"/>
+              <a:t>SAFE</a:t>
+            </a:r>
           </a:p>
         </p:txBody>
       </p:sp>
@@ -6613,7 +7725,7 @@
         </p:nvSpPr>
         <p:spPr>
           <a:xfrm>
-            <a:off x="337093" y="540238"/>
+            <a:off x="1948179" y="1561270"/>
             <a:ext cx="8596668" cy="3223688"/>
           </a:xfrm>
         </p:spPr>
@@ -6628,7 +7740,7 @@
               <a:buChar char="•"/>
             </a:pPr>
             <a:r>
-              <a:rPr lang="es-AR" dirty="0" smtClean="0"/>
+              <a:rPr lang="es-AR" dirty="0"/>
               <a:t>Deserción escolar</a:t>
             </a:r>
           </a:p>
@@ -6638,7 +7750,7 @@
               <a:buChar char="•"/>
             </a:pPr>
             <a:r>
-              <a:rPr lang="es-AR" dirty="0" smtClean="0"/>
+              <a:rPr lang="es-AR" dirty="0"/>
               <a:t>Evolución educativa</a:t>
             </a:r>
           </a:p>
@@ -6648,10 +7760,9 @@
               <a:buChar char="•"/>
             </a:pPr>
             <a:r>
-              <a:rPr lang="es-AR" dirty="0" smtClean="0"/>
+              <a:rPr lang="es-AR" dirty="0"/>
               <a:t>Experiencia </a:t>
             </a:r>
-            <a:endParaRPr lang="es-AR" dirty="0"/>
           </a:p>
         </p:txBody>
       </p:sp>
@@ -6696,6 +7807,132 @@
           </a:extLst>
         </p:spPr>
       </p:pic>
+      <p:pic>
+        <p:nvPicPr>
+          <p:cNvPr id="4" name="image01.png"/>
+          <p:cNvPicPr/>
+          <p:nvPr/>
+        </p:nvPicPr>
+        <p:blipFill>
+          <a:blip r:embed="rId3"/>
+          <a:srcRect/>
+          <a:stretch>
+            <a:fillRect/>
+          </a:stretch>
+        </p:blipFill>
+        <p:spPr>
+          <a:xfrm>
+            <a:off x="344350" y="291549"/>
+            <a:ext cx="1104244" cy="768625"/>
+          </a:xfrm>
+          <a:prstGeom prst="rect">
+            <a:avLst/>
+          </a:prstGeom>
+          <a:ln/>
+        </p:spPr>
+      </p:pic>
+      <p:sp>
+        <p:nvSpPr>
+          <p:cNvPr id="5" name="Título 1"/>
+          <p:cNvSpPr txBox="1">
+            <a:spLocks/>
+          </p:cNvSpPr>
+          <p:nvPr/>
+        </p:nvSpPr>
+        <p:spPr>
+          <a:xfrm>
+            <a:off x="450574" y="1060174"/>
+            <a:ext cx="838787" cy="501096"/>
+          </a:xfrm>
+          <a:prstGeom prst="rect">
+            <a:avLst/>
+          </a:prstGeom>
+        </p:spPr>
+        <p:txBody>
+          <a:bodyPr vert="horz" lIns="91440" tIns="45720" rIns="91440" bIns="45720" rtlCol="0" anchor="t">
+            <a:normAutofit/>
+          </a:bodyPr>
+          <a:lstStyle>
+            <a:lvl1pPr algn="l" defTabSz="457200" rtl="0" eaLnBrk="1" latinLnBrk="0" hangingPunct="1">
+              <a:spcBef>
+                <a:spcPct val="0"/>
+              </a:spcBef>
+              <a:buNone/>
+              <a:defRPr sz="3600" kern="1200">
+                <a:solidFill>
+                  <a:schemeClr val="accent1"/>
+                </a:solidFill>
+                <a:latin typeface="+mj-lt"/>
+                <a:ea typeface="+mj-ea"/>
+                <a:cs typeface="+mj-cs"/>
+              </a:defRPr>
+            </a:lvl1pPr>
+            <a:lvl2pPr eaLnBrk="1" hangingPunct="1">
+              <a:defRPr>
+                <a:solidFill>
+                  <a:schemeClr val="tx2"/>
+                </a:solidFill>
+              </a:defRPr>
+            </a:lvl2pPr>
+            <a:lvl3pPr eaLnBrk="1" hangingPunct="1">
+              <a:defRPr>
+                <a:solidFill>
+                  <a:schemeClr val="tx2"/>
+                </a:solidFill>
+              </a:defRPr>
+            </a:lvl3pPr>
+            <a:lvl4pPr eaLnBrk="1" hangingPunct="1">
+              <a:defRPr>
+                <a:solidFill>
+                  <a:schemeClr val="tx2"/>
+                </a:solidFill>
+              </a:defRPr>
+            </a:lvl4pPr>
+            <a:lvl5pPr eaLnBrk="1" hangingPunct="1">
+              <a:defRPr>
+                <a:solidFill>
+                  <a:schemeClr val="tx2"/>
+                </a:solidFill>
+              </a:defRPr>
+            </a:lvl5pPr>
+            <a:lvl6pPr eaLnBrk="1" hangingPunct="1">
+              <a:defRPr>
+                <a:solidFill>
+                  <a:schemeClr val="tx2"/>
+                </a:solidFill>
+              </a:defRPr>
+            </a:lvl6pPr>
+            <a:lvl7pPr eaLnBrk="1" hangingPunct="1">
+              <a:defRPr>
+                <a:solidFill>
+                  <a:schemeClr val="tx2"/>
+                </a:solidFill>
+              </a:defRPr>
+            </a:lvl7pPr>
+            <a:lvl8pPr eaLnBrk="1" hangingPunct="1">
+              <a:defRPr>
+                <a:solidFill>
+                  <a:schemeClr val="tx2"/>
+                </a:solidFill>
+              </a:defRPr>
+            </a:lvl8pPr>
+            <a:lvl9pPr eaLnBrk="1" hangingPunct="1">
+              <a:defRPr>
+                <a:solidFill>
+                  <a:schemeClr val="tx2"/>
+                </a:solidFill>
+              </a:defRPr>
+            </a:lvl9pPr>
+          </a:lstStyle>
+          <a:p>
+            <a:pPr algn="r"/>
+            <a:r>
+              <a:rPr lang="es-AR" sz="2400" dirty="0"/>
+              <a:t>SAFE</a:t>
+            </a:r>
+          </a:p>
+        </p:txBody>
+      </p:sp>
     </p:spTree>
     <p:extLst>
       <p:ext uri="{BB962C8B-B14F-4D97-AF65-F5344CB8AC3E}">
@@ -6742,10 +7979,9 @@
           <a:lstStyle/>
           <a:p>
             <a:r>
-              <a:rPr lang="es-AR" dirty="0" smtClean="0"/>
+              <a:rPr lang="es-AR" dirty="0"/>
               <a:t>Donde venimos hacia donde vamos</a:t>
             </a:r>
-            <a:endParaRPr lang="es-AR" dirty="0"/>
           </a:p>
         </p:txBody>
       </p:sp>
@@ -6765,10 +8001,135 @@
           <a:lstStyle/>
           <a:p>
             <a:r>
-              <a:rPr lang="es-AR" dirty="0" smtClean="0"/>
+              <a:rPr lang="es-AR" dirty="0"/>
               <a:t>Cambio de paradigma</a:t>
             </a:r>
-            <a:endParaRPr lang="es-AR" dirty="0"/>
+          </a:p>
+        </p:txBody>
+      </p:sp>
+      <p:pic>
+        <p:nvPicPr>
+          <p:cNvPr id="4" name="image01.png"/>
+          <p:cNvPicPr/>
+          <p:nvPr/>
+        </p:nvPicPr>
+        <p:blipFill>
+          <a:blip r:embed="rId2"/>
+          <a:srcRect/>
+          <a:stretch>
+            <a:fillRect/>
+          </a:stretch>
+        </p:blipFill>
+        <p:spPr>
+          <a:xfrm>
+            <a:off x="344350" y="291549"/>
+            <a:ext cx="1104244" cy="768625"/>
+          </a:xfrm>
+          <a:prstGeom prst="rect">
+            <a:avLst/>
+          </a:prstGeom>
+          <a:ln/>
+        </p:spPr>
+      </p:pic>
+      <p:sp>
+        <p:nvSpPr>
+          <p:cNvPr id="5" name="Título 1"/>
+          <p:cNvSpPr txBox="1">
+            <a:spLocks/>
+          </p:cNvSpPr>
+          <p:nvPr/>
+        </p:nvSpPr>
+        <p:spPr>
+          <a:xfrm>
+            <a:off x="450574" y="1060174"/>
+            <a:ext cx="838787" cy="501096"/>
+          </a:xfrm>
+          <a:prstGeom prst="rect">
+            <a:avLst/>
+          </a:prstGeom>
+        </p:spPr>
+        <p:txBody>
+          <a:bodyPr vert="horz" lIns="91440" tIns="45720" rIns="91440" bIns="45720" rtlCol="0" anchor="t">
+            <a:normAutofit/>
+          </a:bodyPr>
+          <a:lstStyle>
+            <a:lvl1pPr algn="l" defTabSz="457200" rtl="0" eaLnBrk="1" latinLnBrk="0" hangingPunct="1">
+              <a:spcBef>
+                <a:spcPct val="0"/>
+              </a:spcBef>
+              <a:buNone/>
+              <a:defRPr sz="3600" kern="1200">
+                <a:solidFill>
+                  <a:schemeClr val="accent1"/>
+                </a:solidFill>
+                <a:latin typeface="+mj-lt"/>
+                <a:ea typeface="+mj-ea"/>
+                <a:cs typeface="+mj-cs"/>
+              </a:defRPr>
+            </a:lvl1pPr>
+            <a:lvl2pPr eaLnBrk="1" hangingPunct="1">
+              <a:defRPr>
+                <a:solidFill>
+                  <a:schemeClr val="tx2"/>
+                </a:solidFill>
+              </a:defRPr>
+            </a:lvl2pPr>
+            <a:lvl3pPr eaLnBrk="1" hangingPunct="1">
+              <a:defRPr>
+                <a:solidFill>
+                  <a:schemeClr val="tx2"/>
+                </a:solidFill>
+              </a:defRPr>
+            </a:lvl3pPr>
+            <a:lvl4pPr eaLnBrk="1" hangingPunct="1">
+              <a:defRPr>
+                <a:solidFill>
+                  <a:schemeClr val="tx2"/>
+                </a:solidFill>
+              </a:defRPr>
+            </a:lvl4pPr>
+            <a:lvl5pPr eaLnBrk="1" hangingPunct="1">
+              <a:defRPr>
+                <a:solidFill>
+                  <a:schemeClr val="tx2"/>
+                </a:solidFill>
+              </a:defRPr>
+            </a:lvl5pPr>
+            <a:lvl6pPr eaLnBrk="1" hangingPunct="1">
+              <a:defRPr>
+                <a:solidFill>
+                  <a:schemeClr val="tx2"/>
+                </a:solidFill>
+              </a:defRPr>
+            </a:lvl6pPr>
+            <a:lvl7pPr eaLnBrk="1" hangingPunct="1">
+              <a:defRPr>
+                <a:solidFill>
+                  <a:schemeClr val="tx2"/>
+                </a:solidFill>
+              </a:defRPr>
+            </a:lvl7pPr>
+            <a:lvl8pPr eaLnBrk="1" hangingPunct="1">
+              <a:defRPr>
+                <a:solidFill>
+                  <a:schemeClr val="tx2"/>
+                </a:solidFill>
+              </a:defRPr>
+            </a:lvl8pPr>
+            <a:lvl9pPr eaLnBrk="1" hangingPunct="1">
+              <a:defRPr>
+                <a:solidFill>
+                  <a:schemeClr val="tx2"/>
+                </a:solidFill>
+              </a:defRPr>
+            </a:lvl9pPr>
+          </a:lstStyle>
+          <a:p>
+            <a:pPr algn="r"/>
+            <a:r>
+              <a:rPr lang="es-AR" sz="2400" dirty="0"/>
+              <a:t>SAFE</a:t>
+            </a:r>
           </a:p>
         </p:txBody>
       </p:sp>
@@ -6840,6 +8201,132 @@
           </a:p>
         </p:txBody>
       </p:sp>
+      <p:pic>
+        <p:nvPicPr>
+          <p:cNvPr id="4" name="image01.png"/>
+          <p:cNvPicPr/>
+          <p:nvPr/>
+        </p:nvPicPr>
+        <p:blipFill>
+          <a:blip r:embed="rId2"/>
+          <a:srcRect/>
+          <a:stretch>
+            <a:fillRect/>
+          </a:stretch>
+        </p:blipFill>
+        <p:spPr>
+          <a:xfrm>
+            <a:off x="344350" y="291549"/>
+            <a:ext cx="1104244" cy="768625"/>
+          </a:xfrm>
+          <a:prstGeom prst="rect">
+            <a:avLst/>
+          </a:prstGeom>
+          <a:ln/>
+        </p:spPr>
+      </p:pic>
+      <p:sp>
+        <p:nvSpPr>
+          <p:cNvPr id="5" name="Título 1"/>
+          <p:cNvSpPr txBox="1">
+            <a:spLocks/>
+          </p:cNvSpPr>
+          <p:nvPr/>
+        </p:nvSpPr>
+        <p:spPr>
+          <a:xfrm>
+            <a:off x="450574" y="1060174"/>
+            <a:ext cx="838787" cy="501096"/>
+          </a:xfrm>
+          <a:prstGeom prst="rect">
+            <a:avLst/>
+          </a:prstGeom>
+        </p:spPr>
+        <p:txBody>
+          <a:bodyPr vert="horz" lIns="91440" tIns="45720" rIns="91440" bIns="45720" rtlCol="0" anchor="t">
+            <a:normAutofit/>
+          </a:bodyPr>
+          <a:lstStyle>
+            <a:lvl1pPr algn="l" defTabSz="457200" rtl="0" eaLnBrk="1" latinLnBrk="0" hangingPunct="1">
+              <a:spcBef>
+                <a:spcPct val="0"/>
+              </a:spcBef>
+              <a:buNone/>
+              <a:defRPr sz="3600" kern="1200">
+                <a:solidFill>
+                  <a:schemeClr val="accent1"/>
+                </a:solidFill>
+                <a:latin typeface="+mj-lt"/>
+                <a:ea typeface="+mj-ea"/>
+                <a:cs typeface="+mj-cs"/>
+              </a:defRPr>
+            </a:lvl1pPr>
+            <a:lvl2pPr eaLnBrk="1" hangingPunct="1">
+              <a:defRPr>
+                <a:solidFill>
+                  <a:schemeClr val="tx2"/>
+                </a:solidFill>
+              </a:defRPr>
+            </a:lvl2pPr>
+            <a:lvl3pPr eaLnBrk="1" hangingPunct="1">
+              <a:defRPr>
+                <a:solidFill>
+                  <a:schemeClr val="tx2"/>
+                </a:solidFill>
+              </a:defRPr>
+            </a:lvl3pPr>
+            <a:lvl4pPr eaLnBrk="1" hangingPunct="1">
+              <a:defRPr>
+                <a:solidFill>
+                  <a:schemeClr val="tx2"/>
+                </a:solidFill>
+              </a:defRPr>
+            </a:lvl4pPr>
+            <a:lvl5pPr eaLnBrk="1" hangingPunct="1">
+              <a:defRPr>
+                <a:solidFill>
+                  <a:schemeClr val="tx2"/>
+                </a:solidFill>
+              </a:defRPr>
+            </a:lvl5pPr>
+            <a:lvl6pPr eaLnBrk="1" hangingPunct="1">
+              <a:defRPr>
+                <a:solidFill>
+                  <a:schemeClr val="tx2"/>
+                </a:solidFill>
+              </a:defRPr>
+            </a:lvl6pPr>
+            <a:lvl7pPr eaLnBrk="1" hangingPunct="1">
+              <a:defRPr>
+                <a:solidFill>
+                  <a:schemeClr val="tx2"/>
+                </a:solidFill>
+              </a:defRPr>
+            </a:lvl7pPr>
+            <a:lvl8pPr eaLnBrk="1" hangingPunct="1">
+              <a:defRPr>
+                <a:solidFill>
+                  <a:schemeClr val="tx2"/>
+                </a:solidFill>
+              </a:defRPr>
+            </a:lvl8pPr>
+            <a:lvl9pPr eaLnBrk="1" hangingPunct="1">
+              <a:defRPr>
+                <a:solidFill>
+                  <a:schemeClr val="tx2"/>
+                </a:solidFill>
+              </a:defRPr>
+            </a:lvl9pPr>
+          </a:lstStyle>
+          <a:p>
+            <a:pPr algn="r"/>
+            <a:r>
+              <a:rPr lang="es-AR" sz="2400" dirty="0"/>
+              <a:t>SAFE</a:t>
+            </a:r>
+          </a:p>
+        </p:txBody>
+      </p:sp>
     </p:spTree>
     <p:extLst>
       <p:ext uri="{BB962C8B-B14F-4D97-AF65-F5344CB8AC3E}">
@@ -6894,10 +8381,9 @@
           <a:p>
             <a:pPr algn="ctr"/>
             <a:r>
-              <a:rPr lang="es-AR" sz="8000" dirty="0" smtClean="0"/>
+              <a:rPr lang="es-AR" sz="8000" dirty="0"/>
               <a:t>Solución</a:t>
             </a:r>
-            <a:endParaRPr lang="es-AR" sz="8000" dirty="0"/>
           </a:p>
         </p:txBody>
       </p:sp>
@@ -6925,6 +8411,132 @@
             <a:r>
               <a:rPr lang="es-AR" dirty="0"/>
               <a:t>Dada la actualidad de cómo internet ha revolucionado la forma de comercializar los productos, y en función al atraso del sistema educativo actual, comparado con otros países más desarrollados, y sobre todo en el uso de tecnología como acompañamiento y soporte para la ayuda en el aprendizaje y comprensión de las materias dictadas, es como surge la idea de la realización de este proyecto.</a:t>
+            </a:r>
+          </a:p>
+        </p:txBody>
+      </p:sp>
+      <p:pic>
+        <p:nvPicPr>
+          <p:cNvPr id="5" name="image01.png"/>
+          <p:cNvPicPr/>
+          <p:nvPr/>
+        </p:nvPicPr>
+        <p:blipFill>
+          <a:blip r:embed="rId2"/>
+          <a:srcRect/>
+          <a:stretch>
+            <a:fillRect/>
+          </a:stretch>
+        </p:blipFill>
+        <p:spPr>
+          <a:xfrm>
+            <a:off x="344350" y="291549"/>
+            <a:ext cx="1104244" cy="768625"/>
+          </a:xfrm>
+          <a:prstGeom prst="rect">
+            <a:avLst/>
+          </a:prstGeom>
+          <a:ln/>
+        </p:spPr>
+      </p:pic>
+      <p:sp>
+        <p:nvSpPr>
+          <p:cNvPr id="6" name="Título 1"/>
+          <p:cNvSpPr txBox="1">
+            <a:spLocks/>
+          </p:cNvSpPr>
+          <p:nvPr/>
+        </p:nvSpPr>
+        <p:spPr>
+          <a:xfrm>
+            <a:off x="450574" y="1060174"/>
+            <a:ext cx="838787" cy="501096"/>
+          </a:xfrm>
+          <a:prstGeom prst="rect">
+            <a:avLst/>
+          </a:prstGeom>
+        </p:spPr>
+        <p:txBody>
+          <a:bodyPr vert="horz" lIns="91440" tIns="45720" rIns="91440" bIns="45720" rtlCol="0" anchor="t">
+            <a:normAutofit/>
+          </a:bodyPr>
+          <a:lstStyle>
+            <a:lvl1pPr algn="l" defTabSz="457200" rtl="0" eaLnBrk="1" latinLnBrk="0" hangingPunct="1">
+              <a:spcBef>
+                <a:spcPct val="0"/>
+              </a:spcBef>
+              <a:buNone/>
+              <a:defRPr sz="3600" kern="1200">
+                <a:solidFill>
+                  <a:schemeClr val="accent1"/>
+                </a:solidFill>
+                <a:latin typeface="+mj-lt"/>
+                <a:ea typeface="+mj-ea"/>
+                <a:cs typeface="+mj-cs"/>
+              </a:defRPr>
+            </a:lvl1pPr>
+            <a:lvl2pPr eaLnBrk="1" hangingPunct="1">
+              <a:defRPr>
+                <a:solidFill>
+                  <a:schemeClr val="tx2"/>
+                </a:solidFill>
+              </a:defRPr>
+            </a:lvl2pPr>
+            <a:lvl3pPr eaLnBrk="1" hangingPunct="1">
+              <a:defRPr>
+                <a:solidFill>
+                  <a:schemeClr val="tx2"/>
+                </a:solidFill>
+              </a:defRPr>
+            </a:lvl3pPr>
+            <a:lvl4pPr eaLnBrk="1" hangingPunct="1">
+              <a:defRPr>
+                <a:solidFill>
+                  <a:schemeClr val="tx2"/>
+                </a:solidFill>
+              </a:defRPr>
+            </a:lvl4pPr>
+            <a:lvl5pPr eaLnBrk="1" hangingPunct="1">
+              <a:defRPr>
+                <a:solidFill>
+                  <a:schemeClr val="tx2"/>
+                </a:solidFill>
+              </a:defRPr>
+            </a:lvl5pPr>
+            <a:lvl6pPr eaLnBrk="1" hangingPunct="1">
+              <a:defRPr>
+                <a:solidFill>
+                  <a:schemeClr val="tx2"/>
+                </a:solidFill>
+              </a:defRPr>
+            </a:lvl6pPr>
+            <a:lvl7pPr eaLnBrk="1" hangingPunct="1">
+              <a:defRPr>
+                <a:solidFill>
+                  <a:schemeClr val="tx2"/>
+                </a:solidFill>
+              </a:defRPr>
+            </a:lvl7pPr>
+            <a:lvl8pPr eaLnBrk="1" hangingPunct="1">
+              <a:defRPr>
+                <a:solidFill>
+                  <a:schemeClr val="tx2"/>
+                </a:solidFill>
+              </a:defRPr>
+            </a:lvl8pPr>
+            <a:lvl9pPr eaLnBrk="1" hangingPunct="1">
+              <a:defRPr>
+                <a:solidFill>
+                  <a:schemeClr val="tx2"/>
+                </a:solidFill>
+              </a:defRPr>
+            </a:lvl9pPr>
+          </a:lstStyle>
+          <a:p>
+            <a:pPr algn="r"/>
+            <a:r>
+              <a:rPr lang="es-AR" sz="2400" dirty="0"/>
+              <a:t>SAFE</a:t>
             </a:r>
           </a:p>
         </p:txBody>
@@ -6983,14 +8595,137 @@
           <a:p>
             <a:pPr algn="ctr"/>
             <a:r>
-              <a:rPr lang="es-AR" sz="8000" dirty="0" smtClean="0">
+              <a:rPr lang="es-AR" sz="8000" dirty="0">
                 <a:latin typeface="Berlin Sans FB Demi" panose="020E0802020502020306" pitchFamily="34" charset="0"/>
               </a:rPr>
               <a:t>Nuestro Producto</a:t>
             </a:r>
-            <a:endParaRPr lang="es-AR" sz="8000" dirty="0">
-              <a:latin typeface="Berlin Sans FB Demi" panose="020E0802020502020306" pitchFamily="34" charset="0"/>
-            </a:endParaRPr>
+          </a:p>
+        </p:txBody>
+      </p:sp>
+      <p:pic>
+        <p:nvPicPr>
+          <p:cNvPr id="3" name="image01.png"/>
+          <p:cNvPicPr/>
+          <p:nvPr/>
+        </p:nvPicPr>
+        <p:blipFill>
+          <a:blip r:embed="rId2"/>
+          <a:srcRect/>
+          <a:stretch>
+            <a:fillRect/>
+          </a:stretch>
+        </p:blipFill>
+        <p:spPr>
+          <a:xfrm>
+            <a:off x="344350" y="291549"/>
+            <a:ext cx="1104244" cy="768625"/>
+          </a:xfrm>
+          <a:prstGeom prst="rect">
+            <a:avLst/>
+          </a:prstGeom>
+          <a:ln/>
+        </p:spPr>
+      </p:pic>
+      <p:sp>
+        <p:nvSpPr>
+          <p:cNvPr id="5" name="Título 1"/>
+          <p:cNvSpPr txBox="1">
+            <a:spLocks/>
+          </p:cNvSpPr>
+          <p:nvPr/>
+        </p:nvSpPr>
+        <p:spPr>
+          <a:xfrm>
+            <a:off x="450574" y="1060174"/>
+            <a:ext cx="838787" cy="501096"/>
+          </a:xfrm>
+          <a:prstGeom prst="rect">
+            <a:avLst/>
+          </a:prstGeom>
+        </p:spPr>
+        <p:txBody>
+          <a:bodyPr vert="horz" lIns="91440" tIns="45720" rIns="91440" bIns="45720" rtlCol="0" anchor="t">
+            <a:normAutofit/>
+          </a:bodyPr>
+          <a:lstStyle>
+            <a:lvl1pPr algn="l" defTabSz="457200" rtl="0" eaLnBrk="1" latinLnBrk="0" hangingPunct="1">
+              <a:spcBef>
+                <a:spcPct val="0"/>
+              </a:spcBef>
+              <a:buNone/>
+              <a:defRPr sz="3600" kern="1200">
+                <a:solidFill>
+                  <a:schemeClr val="accent1"/>
+                </a:solidFill>
+                <a:latin typeface="+mj-lt"/>
+                <a:ea typeface="+mj-ea"/>
+                <a:cs typeface="+mj-cs"/>
+              </a:defRPr>
+            </a:lvl1pPr>
+            <a:lvl2pPr eaLnBrk="1" hangingPunct="1">
+              <a:defRPr>
+                <a:solidFill>
+                  <a:schemeClr val="tx2"/>
+                </a:solidFill>
+              </a:defRPr>
+            </a:lvl2pPr>
+            <a:lvl3pPr eaLnBrk="1" hangingPunct="1">
+              <a:defRPr>
+                <a:solidFill>
+                  <a:schemeClr val="tx2"/>
+                </a:solidFill>
+              </a:defRPr>
+            </a:lvl3pPr>
+            <a:lvl4pPr eaLnBrk="1" hangingPunct="1">
+              <a:defRPr>
+                <a:solidFill>
+                  <a:schemeClr val="tx2"/>
+                </a:solidFill>
+              </a:defRPr>
+            </a:lvl4pPr>
+            <a:lvl5pPr eaLnBrk="1" hangingPunct="1">
+              <a:defRPr>
+                <a:solidFill>
+                  <a:schemeClr val="tx2"/>
+                </a:solidFill>
+              </a:defRPr>
+            </a:lvl5pPr>
+            <a:lvl6pPr eaLnBrk="1" hangingPunct="1">
+              <a:defRPr>
+                <a:solidFill>
+                  <a:schemeClr val="tx2"/>
+                </a:solidFill>
+              </a:defRPr>
+            </a:lvl6pPr>
+            <a:lvl7pPr eaLnBrk="1" hangingPunct="1">
+              <a:defRPr>
+                <a:solidFill>
+                  <a:schemeClr val="tx2"/>
+                </a:solidFill>
+              </a:defRPr>
+            </a:lvl7pPr>
+            <a:lvl8pPr eaLnBrk="1" hangingPunct="1">
+              <a:defRPr>
+                <a:solidFill>
+                  <a:schemeClr val="tx2"/>
+                </a:solidFill>
+              </a:defRPr>
+            </a:lvl8pPr>
+            <a:lvl9pPr eaLnBrk="1" hangingPunct="1">
+              <a:defRPr>
+                <a:solidFill>
+                  <a:schemeClr val="tx2"/>
+                </a:solidFill>
+              </a:defRPr>
+            </a:lvl9pPr>
+          </a:lstStyle>
+          <a:p>
+            <a:pPr algn="r"/>
+            <a:r>
+              <a:rPr lang="es-AR" sz="2400" dirty="0"/>
+              <a:t>SAFE</a:t>
+            </a:r>
           </a:p>
         </p:txBody>
       </p:sp>
